--- a/Notes/Anomaly_Detection_Final.pptx
+++ b/Notes/Anomaly_Detection_Final.pptx
@@ -7937,10 +7937,10 @@
   </dgm:ptLst>
   <dgm:cxnLst>
     <dgm:cxn modelId="{868CD33A-8B47-4E69-BFAB-5580C70328E3}" type="presOf" srcId="{E4352A3B-3F7B-4481-8AA0-A3EC6EC380B9}" destId="{761A8E08-C247-4F66-A769-4979D6B00A7E}" srcOrd="1" destOrd="0" presId="urn:microsoft.com/office/officeart/2005/8/layout/venn1"/>
+    <dgm:cxn modelId="{7F473B6E-D125-431F-B280-3A00EAD6F22E}" srcId="{2B7A0B89-5A7C-4C32-AB61-56C1CB7DF269}" destId="{C51A9B25-73A6-44A2-9613-3A28C0E59DCF}" srcOrd="2" destOrd="0" parTransId="{F9BB6F6D-8A0E-41CC-A6CE-B89B94E6C976}" sibTransId="{83A8385E-E1F4-4AF3-BE67-7BB8E261E07A}"/>
+    <dgm:cxn modelId="{5098A770-8BA6-4BFD-8DA6-AAC87B653581}" type="presOf" srcId="{C51A9B25-73A6-44A2-9613-3A28C0E59DCF}" destId="{72E78EA6-7017-4E96-B299-022F34E2C0CE}" srcOrd="0" destOrd="0" presId="urn:microsoft.com/office/officeart/2005/8/layout/venn1"/>
     <dgm:cxn modelId="{1A319D59-89C3-4E0C-8980-86D2718ADB3F}" type="presOf" srcId="{730A68D4-456C-42A5-BD45-1EC7BDAD038F}" destId="{1B174D77-AA20-4ABC-ABCB-5073907AAF60}" srcOrd="0" destOrd="0" presId="urn:microsoft.com/office/officeart/2005/8/layout/venn1"/>
     <dgm:cxn modelId="{EB28E959-2803-4170-9F33-666E0EFBD34B}" type="presOf" srcId="{E4352A3B-3F7B-4481-8AA0-A3EC6EC380B9}" destId="{D9E766D4-E785-4631-8997-43A84C5F2B15}" srcOrd="0" destOrd="0" presId="urn:microsoft.com/office/officeart/2005/8/layout/venn1"/>
-    <dgm:cxn modelId="{7F473B6E-D125-431F-B280-3A00EAD6F22E}" srcId="{2B7A0B89-5A7C-4C32-AB61-56C1CB7DF269}" destId="{C51A9B25-73A6-44A2-9613-3A28C0E59DCF}" srcOrd="2" destOrd="0" parTransId="{F9BB6F6D-8A0E-41CC-A6CE-B89B94E6C976}" sibTransId="{83A8385E-E1F4-4AF3-BE67-7BB8E261E07A}"/>
-    <dgm:cxn modelId="{5098A770-8BA6-4BFD-8DA6-AAC87B653581}" type="presOf" srcId="{C51A9B25-73A6-44A2-9613-3A28C0E59DCF}" destId="{72E78EA6-7017-4E96-B299-022F34E2C0CE}" srcOrd="0" destOrd="0" presId="urn:microsoft.com/office/officeart/2005/8/layout/venn1"/>
     <dgm:cxn modelId="{47A8F787-09EB-4FF4-B499-CDF65EE05A6B}" type="presOf" srcId="{C51A9B25-73A6-44A2-9613-3A28C0E59DCF}" destId="{2C90B816-ADE3-4477-BF2D-1E97F15FDDCA}" srcOrd="1" destOrd="0" presId="urn:microsoft.com/office/officeart/2005/8/layout/venn1"/>
     <dgm:cxn modelId="{EE674F96-75A8-4524-BC5F-E5D73CB232ED}" srcId="{2B7A0B89-5A7C-4C32-AB61-56C1CB7DF269}" destId="{E4352A3B-3F7B-4481-8AA0-A3EC6EC380B9}" srcOrd="1" destOrd="0" parTransId="{CD0819BF-1120-411A-8F9C-6AB6FCDCF576}" sibTransId="{49078D2C-FB16-4514-9C4F-D6C0F03BA174}"/>
     <dgm:cxn modelId="{BCFFAD99-6C6B-4F52-838E-08BBBA0CAD66}" type="presOf" srcId="{730A68D4-456C-42A5-BD45-1EC7BDAD038F}" destId="{6D0621B1-06D1-4094-B51D-C5D3139D664C}" srcOrd="1" destOrd="0" presId="urn:microsoft.com/office/officeart/2005/8/layout/venn1"/>
@@ -22417,7 +22417,7 @@
           <a:p>
             <a:fld id="{8A11ACDC-AD32-914E-9ECA-217B31AAAA28}" type="datetimeFigureOut">
               <a:rPr lang="pl-PL" smtClean="0"/>
-              <a:t>04.04.2023</a:t>
+              <a:t>05.04.2023</a:t>
             </a:fld>
             <a:endParaRPr lang="pl-PL"/>
           </a:p>
@@ -24563,7 +24563,7 @@
           <a:p>
             <a:fld id="{31FD92DB-AA04-416F-A92E-04ABA335510E}" type="datetimeFigureOut">
               <a:rPr lang="pl-PL" smtClean="0"/>
-              <a:t>04.04.2023</a:t>
+              <a:t>05.04.2023</a:t>
             </a:fld>
             <a:endParaRPr lang="pl-PL"/>
           </a:p>
@@ -24761,7 +24761,7 @@
           <a:p>
             <a:fld id="{31FD92DB-AA04-416F-A92E-04ABA335510E}" type="datetimeFigureOut">
               <a:rPr lang="pl-PL" smtClean="0"/>
-              <a:t>04.04.2023</a:t>
+              <a:t>05.04.2023</a:t>
             </a:fld>
             <a:endParaRPr lang="pl-PL"/>
           </a:p>
@@ -24969,7 +24969,7 @@
           <a:p>
             <a:fld id="{31FD92DB-AA04-416F-A92E-04ABA335510E}" type="datetimeFigureOut">
               <a:rPr lang="pl-PL" smtClean="0"/>
-              <a:t>04.04.2023</a:t>
+              <a:t>05.04.2023</a:t>
             </a:fld>
             <a:endParaRPr lang="pl-PL"/>
           </a:p>
@@ -25167,7 +25167,7 @@
           <a:p>
             <a:fld id="{31FD92DB-AA04-416F-A92E-04ABA335510E}" type="datetimeFigureOut">
               <a:rPr lang="pl-PL" smtClean="0"/>
-              <a:t>04.04.2023</a:t>
+              <a:t>05.04.2023</a:t>
             </a:fld>
             <a:endParaRPr lang="pl-PL"/>
           </a:p>
@@ -25442,7 +25442,7 @@
           <a:p>
             <a:fld id="{31FD92DB-AA04-416F-A92E-04ABA335510E}" type="datetimeFigureOut">
               <a:rPr lang="pl-PL" smtClean="0"/>
-              <a:t>04.04.2023</a:t>
+              <a:t>05.04.2023</a:t>
             </a:fld>
             <a:endParaRPr lang="pl-PL"/>
           </a:p>
@@ -25707,7 +25707,7 @@
           <a:p>
             <a:fld id="{31FD92DB-AA04-416F-A92E-04ABA335510E}" type="datetimeFigureOut">
               <a:rPr lang="pl-PL" smtClean="0"/>
-              <a:t>04.04.2023</a:t>
+              <a:t>05.04.2023</a:t>
             </a:fld>
             <a:endParaRPr lang="pl-PL"/>
           </a:p>
@@ -26119,7 +26119,7 @@
           <a:p>
             <a:fld id="{31FD92DB-AA04-416F-A92E-04ABA335510E}" type="datetimeFigureOut">
               <a:rPr lang="pl-PL" smtClean="0"/>
-              <a:t>04.04.2023</a:t>
+              <a:t>05.04.2023</a:t>
             </a:fld>
             <a:endParaRPr lang="pl-PL"/>
           </a:p>
@@ -26260,7 +26260,7 @@
           <a:p>
             <a:fld id="{31FD92DB-AA04-416F-A92E-04ABA335510E}" type="datetimeFigureOut">
               <a:rPr lang="pl-PL" smtClean="0"/>
-              <a:t>04.04.2023</a:t>
+              <a:t>05.04.2023</a:t>
             </a:fld>
             <a:endParaRPr lang="pl-PL"/>
           </a:p>
@@ -26373,7 +26373,7 @@
           <a:p>
             <a:fld id="{31FD92DB-AA04-416F-A92E-04ABA335510E}" type="datetimeFigureOut">
               <a:rPr lang="pl-PL" smtClean="0"/>
-              <a:t>04.04.2023</a:t>
+              <a:t>05.04.2023</a:t>
             </a:fld>
             <a:endParaRPr lang="pl-PL"/>
           </a:p>
@@ -26684,7 +26684,7 @@
           <a:p>
             <a:fld id="{31FD92DB-AA04-416F-A92E-04ABA335510E}" type="datetimeFigureOut">
               <a:rPr lang="pl-PL" smtClean="0"/>
-              <a:t>04.04.2023</a:t>
+              <a:t>05.04.2023</a:t>
             </a:fld>
             <a:endParaRPr lang="pl-PL"/>
           </a:p>
@@ -26972,7 +26972,7 @@
           <a:p>
             <a:fld id="{31FD92DB-AA04-416F-A92E-04ABA335510E}" type="datetimeFigureOut">
               <a:rPr lang="pl-PL" smtClean="0"/>
-              <a:t>04.04.2023</a:t>
+              <a:t>05.04.2023</a:t>
             </a:fld>
             <a:endParaRPr lang="pl-PL"/>
           </a:p>
@@ -27213,7 +27213,7 @@
           <a:p>
             <a:fld id="{31FD92DB-AA04-416F-A92E-04ABA335510E}" type="datetimeFigureOut">
               <a:rPr lang="pl-PL" smtClean="0"/>
-              <a:t>04.04.2023</a:t>
+              <a:t>05.04.2023</a:t>
             </a:fld>
             <a:endParaRPr lang="pl-PL"/>
           </a:p>
@@ -29538,6 +29538,47 @@
           </a:prstGeom>
         </p:spPr>
       </p:pic>
+      <p:sp>
+        <p:nvSpPr>
+          <p:cNvPr id="4" name="TextBox 3">
+            <a:extLst>
+              <a:ext uri="{FF2B5EF4-FFF2-40B4-BE49-F238E27FC236}">
+                <a16:creationId xmlns:a16="http://schemas.microsoft.com/office/drawing/2014/main" id="{2941F103-E31E-C65F-8672-4350D10A0207}"/>
+              </a:ext>
+            </a:extLst>
+          </p:cNvPr>
+          <p:cNvSpPr txBox="1"/>
+          <p:nvPr/>
+        </p:nvSpPr>
+        <p:spPr>
+          <a:xfrm>
+            <a:off x="63374" y="6519261"/>
+            <a:ext cx="4475969" cy="276999"/>
+          </a:xfrm>
+          <a:prstGeom prst="rect">
+            <a:avLst/>
+          </a:prstGeom>
+          <a:noFill/>
+        </p:spPr>
+        <p:txBody>
+          <a:bodyPr wrap="none" rtlCol="0">
+            <a:spAutoFit/>
+          </a:bodyPr>
+          <a:lstStyle/>
+          <a:p>
+            <a:r>
+              <a:rPr lang="pl-PL" sz="1200" dirty="0">
+                <a:solidFill>
+                  <a:schemeClr val="bg2">
+                    <a:lumMod val="75000"/>
+                  </a:schemeClr>
+                </a:solidFill>
+              </a:rPr>
+              <a:t>https://developers.google.com/machine-learning/gan/gan_structure</a:t>
+            </a:r>
+          </a:p>
+        </p:txBody>
+      </p:sp>
     </p:spTree>
     <p:extLst>
       <p:ext uri="{BB962C8B-B14F-4D97-AF65-F5344CB8AC3E}">
@@ -29679,6 +29720,47 @@
               <a:t> the generator for producing implausible results.</a:t>
             </a:r>
             <a:endParaRPr lang="pl-PL" dirty="0"/>
+          </a:p>
+        </p:txBody>
+      </p:sp>
+      <p:sp>
+        <p:nvSpPr>
+          <p:cNvPr id="4" name="TextBox 3">
+            <a:extLst>
+              <a:ext uri="{FF2B5EF4-FFF2-40B4-BE49-F238E27FC236}">
+                <a16:creationId xmlns:a16="http://schemas.microsoft.com/office/drawing/2014/main" id="{22FF5DC7-2CD3-E078-0650-B46B553DF92E}"/>
+              </a:ext>
+            </a:extLst>
+          </p:cNvPr>
+          <p:cNvSpPr txBox="1"/>
+          <p:nvPr/>
+        </p:nvSpPr>
+        <p:spPr>
+          <a:xfrm>
+            <a:off x="63374" y="6519261"/>
+            <a:ext cx="4475969" cy="276999"/>
+          </a:xfrm>
+          <a:prstGeom prst="rect">
+            <a:avLst/>
+          </a:prstGeom>
+          <a:noFill/>
+        </p:spPr>
+        <p:txBody>
+          <a:bodyPr wrap="none" rtlCol="0">
+            <a:spAutoFit/>
+          </a:bodyPr>
+          <a:lstStyle/>
+          <a:p>
+            <a:r>
+              <a:rPr lang="pl-PL" sz="1200" dirty="0">
+                <a:solidFill>
+                  <a:schemeClr val="bg2">
+                    <a:lumMod val="75000"/>
+                  </a:schemeClr>
+                </a:solidFill>
+              </a:rPr>
+              <a:t>https://developers.google.com/machine-learning/gan/gan_structure</a:t>
+            </a:r>
           </a:p>
         </p:txBody>
       </p:sp>
@@ -29842,6 +29924,47 @@
           </a:prstGeom>
         </p:spPr>
       </p:pic>
+      <p:sp>
+        <p:nvSpPr>
+          <p:cNvPr id="4" name="TextBox 3">
+            <a:extLst>
+              <a:ext uri="{FF2B5EF4-FFF2-40B4-BE49-F238E27FC236}">
+                <a16:creationId xmlns:a16="http://schemas.microsoft.com/office/drawing/2014/main" id="{B700404A-CF25-A487-57AF-7DE8A75F1449}"/>
+              </a:ext>
+            </a:extLst>
+          </p:cNvPr>
+          <p:cNvSpPr txBox="1"/>
+          <p:nvPr/>
+        </p:nvSpPr>
+        <p:spPr>
+          <a:xfrm>
+            <a:off x="63374" y="6519261"/>
+            <a:ext cx="4475969" cy="276999"/>
+          </a:xfrm>
+          <a:prstGeom prst="rect">
+            <a:avLst/>
+          </a:prstGeom>
+          <a:noFill/>
+        </p:spPr>
+        <p:txBody>
+          <a:bodyPr wrap="none" rtlCol="0">
+            <a:spAutoFit/>
+          </a:bodyPr>
+          <a:lstStyle/>
+          <a:p>
+            <a:r>
+              <a:rPr lang="pl-PL" sz="1200" dirty="0">
+                <a:solidFill>
+                  <a:schemeClr val="bg2">
+                    <a:lumMod val="75000"/>
+                  </a:schemeClr>
+                </a:solidFill>
+              </a:rPr>
+              <a:t>https://developers.google.com/machine-learning/gan/gan_structure</a:t>
+            </a:r>
+          </a:p>
+        </p:txBody>
+      </p:sp>
     </p:spTree>
     <p:extLst>
       <p:ext uri="{BB962C8B-B14F-4D97-AF65-F5344CB8AC3E}">
@@ -29902,19 +30025,17 @@
       </p:sp>
       <p:pic>
         <p:nvPicPr>
-          <p:cNvPr id="1026" name="Picture 2">
+          <p:cNvPr id="4" name="Picture 2">
             <a:extLst>
               <a:ext uri="{FF2B5EF4-FFF2-40B4-BE49-F238E27FC236}">
-                <a16:creationId xmlns:a16="http://schemas.microsoft.com/office/drawing/2014/main" id="{6B623BF1-D91B-2D23-C2A0-C3CB65586C26}"/>
+                <a16:creationId xmlns:a16="http://schemas.microsoft.com/office/drawing/2014/main" id="{EA60EE7A-0E6F-A042-CF6B-B6A222BB3E6D}"/>
               </a:ext>
             </a:extLst>
           </p:cNvPr>
           <p:cNvPicPr>
-            <a:picLocks noGrp="1" noChangeAspect="1" noChangeArrowheads="1"/>
+            <a:picLocks noChangeAspect="1" noChangeArrowheads="1"/>
           </p:cNvPicPr>
-          <p:nvPr>
-            <p:ph idx="1"/>
-          </p:nvPr>
+          <p:nvPr/>
         </p:nvPicPr>
         <p:blipFill>
           <a:blip r:embed="rId3">
@@ -29931,8 +30052,8 @@
         </p:blipFill>
         <p:spPr bwMode="auto">
           <a:xfrm>
-            <a:off x="3021093" y="2338925"/>
-            <a:ext cx="6149813" cy="2839715"/>
+            <a:off x="1898926" y="2013961"/>
+            <a:ext cx="8394148" cy="3749963"/>
           </a:xfrm>
           <a:prstGeom prst="rect">
             <a:avLst/>
@@ -29949,6 +30070,47 @@
           </a:extLst>
         </p:spPr>
       </p:pic>
+      <p:sp>
+        <p:nvSpPr>
+          <p:cNvPr id="5" name="TextBox 4">
+            <a:extLst>
+              <a:ext uri="{FF2B5EF4-FFF2-40B4-BE49-F238E27FC236}">
+                <a16:creationId xmlns:a16="http://schemas.microsoft.com/office/drawing/2014/main" id="{C99378AB-A736-39E9-4C3B-32A3D31C994F}"/>
+              </a:ext>
+            </a:extLst>
+          </p:cNvPr>
+          <p:cNvSpPr txBox="1"/>
+          <p:nvPr/>
+        </p:nvSpPr>
+        <p:spPr>
+          <a:xfrm>
+            <a:off x="63374" y="6519261"/>
+            <a:ext cx="2511906" cy="276999"/>
+          </a:xfrm>
+          <a:prstGeom prst="rect">
+            <a:avLst/>
+          </a:prstGeom>
+          <a:noFill/>
+        </p:spPr>
+        <p:txBody>
+          <a:bodyPr wrap="none" rtlCol="0">
+            <a:spAutoFit/>
+          </a:bodyPr>
+          <a:lstStyle/>
+          <a:p>
+            <a:r>
+              <a:rPr lang="pl-PL" sz="1200" dirty="0">
+                <a:solidFill>
+                  <a:schemeClr val="bg2">
+                    <a:lumMod val="75000"/>
+                  </a:schemeClr>
+                </a:solidFill>
+              </a:rPr>
+              <a:t>https://arxiv.org/pdf/2103.08945.pdf</a:t>
+            </a:r>
+          </a:p>
+        </p:txBody>
+      </p:sp>
     </p:spTree>
     <p:extLst>
       <p:ext uri="{BB962C8B-B14F-4D97-AF65-F5344CB8AC3E}">
@@ -30002,7 +30164,7 @@
           <a:p>
             <a:r>
               <a:rPr lang="pl-PL" dirty="0"/>
-              <a:t>Whole process</a:t>
+              <a:t>Whole AnoGAN process</a:t>
             </a:r>
           </a:p>
         </p:txBody>
@@ -30113,7 +30275,7 @@
                   <a:srgbClr val="202124"/>
                 </a:solidFill>
               </a:rPr>
-              <a:t>Training generator – supervised</a:t>
+              <a:t>Training GAN – supervised</a:t>
             </a:r>
           </a:p>
           <a:p>
@@ -30126,6 +30288,47 @@
               <a:t>Anomaly detection - unsupervised</a:t>
             </a:r>
             <a:endParaRPr lang="pl-PL" dirty="0"/>
+          </a:p>
+        </p:txBody>
+      </p:sp>
+      <p:sp>
+        <p:nvSpPr>
+          <p:cNvPr id="6" name="TextBox 5">
+            <a:extLst>
+              <a:ext uri="{FF2B5EF4-FFF2-40B4-BE49-F238E27FC236}">
+                <a16:creationId xmlns:a16="http://schemas.microsoft.com/office/drawing/2014/main" id="{BD5764D6-3874-549F-D6AE-04576D314AB2}"/>
+              </a:ext>
+            </a:extLst>
+          </p:cNvPr>
+          <p:cNvSpPr txBox="1"/>
+          <p:nvPr/>
+        </p:nvSpPr>
+        <p:spPr>
+          <a:xfrm>
+            <a:off x="63374" y="6519261"/>
+            <a:ext cx="7404143" cy="276999"/>
+          </a:xfrm>
+          <a:prstGeom prst="rect">
+            <a:avLst/>
+          </a:prstGeom>
+          <a:noFill/>
+        </p:spPr>
+        <p:txBody>
+          <a:bodyPr wrap="none" rtlCol="0">
+            <a:spAutoFit/>
+          </a:bodyPr>
+          <a:lstStyle/>
+          <a:p>
+            <a:r>
+              <a:rPr lang="pl-PL" sz="1200" dirty="0">
+                <a:solidFill>
+                  <a:schemeClr val="bg2">
+                    <a:lumMod val="75000"/>
+                  </a:schemeClr>
+                </a:solidFill>
+              </a:rPr>
+              <a:t>https://medium.com/analytics-vidhya/anomaly-detection-using-generative-adversarial-networks-gan-ca433f2ac287</a:t>
+            </a:r>
           </a:p>
         </p:txBody>
       </p:sp>

--- a/Notes/Anomaly_Detection_Final.pptx
+++ b/Notes/Anomaly_Detection_Final.pptx
@@ -5,7 +5,7 @@
     <p:sldMasterId id="2147483648" r:id="rId1"/>
   </p:sldMasterIdLst>
   <p:notesMasterIdLst>
-    <p:notesMasterId r:id="rId31"/>
+    <p:notesMasterId r:id="rId32"/>
   </p:notesMasterIdLst>
   <p:sldIdLst>
     <p:sldId id="256" r:id="rId2"/>
@@ -25,18 +25,19 @@
     <p:sldId id="285" r:id="rId16"/>
     <p:sldId id="286" r:id="rId17"/>
     <p:sldId id="287" r:id="rId18"/>
-    <p:sldId id="268" r:id="rId19"/>
-    <p:sldId id="271" r:id="rId20"/>
-    <p:sldId id="269" r:id="rId21"/>
-    <p:sldId id="273" r:id="rId22"/>
-    <p:sldId id="274" r:id="rId23"/>
-    <p:sldId id="272" r:id="rId24"/>
-    <p:sldId id="280" r:id="rId25"/>
-    <p:sldId id="278" r:id="rId26"/>
-    <p:sldId id="281" r:id="rId27"/>
-    <p:sldId id="279" r:id="rId28"/>
-    <p:sldId id="282" r:id="rId29"/>
-    <p:sldId id="275" r:id="rId30"/>
+    <p:sldId id="288" r:id="rId19"/>
+    <p:sldId id="268" r:id="rId20"/>
+    <p:sldId id="271" r:id="rId21"/>
+    <p:sldId id="269" r:id="rId22"/>
+    <p:sldId id="273" r:id="rId23"/>
+    <p:sldId id="274" r:id="rId24"/>
+    <p:sldId id="272" r:id="rId25"/>
+    <p:sldId id="280" r:id="rId26"/>
+    <p:sldId id="278" r:id="rId27"/>
+    <p:sldId id="281" r:id="rId28"/>
+    <p:sldId id="279" r:id="rId29"/>
+    <p:sldId id="282" r:id="rId30"/>
+    <p:sldId id="275" r:id="rId31"/>
   </p:sldIdLst>
   <p:sldSz cx="12192000" cy="6858000"/>
   <p:notesSz cx="6858000" cy="9144000"/>
@@ -22817,15 +22818,7 @@
           <a:p>
             <a:r>
               <a:rPr lang="pl-PL" dirty="0"/>
-              <a:t>Rozpiska według tego co na </a:t>
-            </a:r>
-            <a:r>
-              <a:rPr lang="pl-PL" dirty="0" err="1"/>
-              <a:t>msg</a:t>
-            </a:r>
-            <a:r>
-              <a:rPr lang="pl-PL" dirty="0"/>
-              <a:t>, </a:t>
+              <a:t>Te spróbujemy sprawdzić</a:t>
             </a:r>
           </a:p>
         </p:txBody>
@@ -22847,7 +22840,7 @@
           <a:p>
             <a:fld id="{E4F9E38F-2BE4-B147-89C6-F92C04CC79B7}" type="slidenum">
               <a:rPr lang="pl-PL" smtClean="0"/>
-              <a:t>22</a:t>
+              <a:t>19</a:t>
             </a:fld>
             <a:endParaRPr lang="pl-PL"/>
           </a:p>
@@ -22856,7 +22849,7 @@
     </p:spTree>
     <p:extLst>
       <p:ext uri="{BB962C8B-B14F-4D97-AF65-F5344CB8AC3E}">
-        <p14:creationId xmlns:p14="http://schemas.microsoft.com/office/powerpoint/2010/main" val="2336849183"/>
+        <p14:creationId xmlns:p14="http://schemas.microsoft.com/office/powerpoint/2010/main" val="1703478148"/>
       </p:ext>
     </p:extLst>
   </p:cSld>
@@ -22912,7 +22905,15 @@
           <a:p>
             <a:r>
               <a:rPr lang="pl-PL" dirty="0"/>
-              <a:t>Wykorzystanie algorytmu by klasyfikował anomalie jako rak i sprawdzenie na podstawie wyników znanych modeli czy jest konkurencyjny</a:t>
+              <a:t>Rozpiska według tego co na </a:t>
+            </a:r>
+            <a:r>
+              <a:rPr lang="pl-PL" dirty="0" err="1"/>
+              <a:t>msg</a:t>
+            </a:r>
+            <a:r>
+              <a:rPr lang="pl-PL" dirty="0"/>
+              <a:t>, </a:t>
             </a:r>
           </a:p>
         </p:txBody>
@@ -22943,7 +22944,7 @@
     </p:spTree>
     <p:extLst>
       <p:ext uri="{BB962C8B-B14F-4D97-AF65-F5344CB8AC3E}">
-        <p14:creationId xmlns:p14="http://schemas.microsoft.com/office/powerpoint/2010/main" val="4132851712"/>
+        <p14:creationId xmlns:p14="http://schemas.microsoft.com/office/powerpoint/2010/main" val="2336849183"/>
       </p:ext>
     </p:extLst>
   </p:cSld>
@@ -23030,7 +23031,7 @@
     </p:spTree>
     <p:extLst>
       <p:ext uri="{BB962C8B-B14F-4D97-AF65-F5344CB8AC3E}">
-        <p14:creationId xmlns:p14="http://schemas.microsoft.com/office/powerpoint/2010/main" val="2746473409"/>
+        <p14:creationId xmlns:p14="http://schemas.microsoft.com/office/powerpoint/2010/main" val="4132851712"/>
       </p:ext>
     </p:extLst>
   </p:cSld>
@@ -23086,15 +23087,7 @@
           <a:p>
             <a:r>
               <a:rPr lang="pl-PL" dirty="0"/>
-              <a:t>Klasyfikacja </a:t>
-            </a:r>
-            <a:r>
-              <a:rPr lang="pl-PL" dirty="0" err="1"/>
-              <a:t>patchy</a:t>
-            </a:r>
-            <a:r>
-              <a:rPr lang="pl-PL" dirty="0"/>
-              <a:t> do anomalii ale nie jako rak ale jako odstające od reszty, jeśli nasz model ma na nich słabsze wyniki niż globalnie to możliwe że ich konkretne oznaczenie przez histopatologów zwiększy szansę modelu </a:t>
+              <a:t>Wykorzystanie algorytmu by klasyfikował anomalie jako rak i sprawdzenie na podstawie wyników znanych modeli czy jest konkurencyjny</a:t>
             </a:r>
           </a:p>
         </p:txBody>
@@ -23125,7 +23118,7 @@
     </p:spTree>
     <p:extLst>
       <p:ext uri="{BB962C8B-B14F-4D97-AF65-F5344CB8AC3E}">
-        <p14:creationId xmlns:p14="http://schemas.microsoft.com/office/powerpoint/2010/main" val="2792726325"/>
+        <p14:creationId xmlns:p14="http://schemas.microsoft.com/office/powerpoint/2010/main" val="2746473409"/>
       </p:ext>
     </p:extLst>
   </p:cSld>
@@ -23220,7 +23213,7 @@
     </p:spTree>
     <p:extLst>
       <p:ext uri="{BB962C8B-B14F-4D97-AF65-F5344CB8AC3E}">
-        <p14:creationId xmlns:p14="http://schemas.microsoft.com/office/powerpoint/2010/main" val="457912288"/>
+        <p14:creationId xmlns:p14="http://schemas.microsoft.com/office/powerpoint/2010/main" val="2792726325"/>
       </p:ext>
     </p:extLst>
   </p:cSld>
@@ -23276,15 +23269,15 @@
           <a:p>
             <a:r>
               <a:rPr lang="pl-PL" dirty="0"/>
-              <a:t>Szukanie </a:t>
+              <a:t>Klasyfikacja </a:t>
             </a:r>
             <a:r>
               <a:rPr lang="pl-PL" dirty="0" err="1"/>
-              <a:t>zdjęc</a:t>
+              <a:t>patchy</a:t>
             </a:r>
             <a:r>
               <a:rPr lang="pl-PL" dirty="0"/>
-              <a:t> będących anomaliami – jeśli dana grupa zdjęć zostanie zaklasyfikowana jako anomalie – sprawdzimy że model je źle klasyfikuje, czyli np. normalnie ma 95% skuteczności, a wśród tej grupy 50% to znaleźliśmy zdjęcia, które są dla niego ciężkie – im zdjęcie będzie bliżej do klasyfikowanych anomalii tym pewność modelu spada – może lekarz powinien się temu lepiej przyjrzeć bo model informuje że nie jest pewien.</a:t>
+              <a:t> do anomalii ale nie jako rak ale jako odstające od reszty, jeśli nasz model ma na nich słabsze wyniki niż globalnie to możliwe że ich konkretne oznaczenie przez histopatologów zwiększy szansę modelu </a:t>
             </a:r>
           </a:p>
         </p:txBody>
@@ -23315,7 +23308,7 @@
     </p:spTree>
     <p:extLst>
       <p:ext uri="{BB962C8B-B14F-4D97-AF65-F5344CB8AC3E}">
-        <p14:creationId xmlns:p14="http://schemas.microsoft.com/office/powerpoint/2010/main" val="3227182221"/>
+        <p14:creationId xmlns:p14="http://schemas.microsoft.com/office/powerpoint/2010/main" val="457912288"/>
       </p:ext>
     </p:extLst>
   </p:cSld>
@@ -23402,6 +23395,101 @@
             <a:fld id="{E4F9E38F-2BE4-B147-89C6-F92C04CC79B7}" type="slidenum">
               <a:rPr lang="pl-PL" smtClean="0"/>
               <a:t>28</a:t>
+            </a:fld>
+            <a:endParaRPr lang="pl-PL"/>
+          </a:p>
+        </p:txBody>
+      </p:sp>
+    </p:spTree>
+    <p:extLst>
+      <p:ext uri="{BB962C8B-B14F-4D97-AF65-F5344CB8AC3E}">
+        <p14:creationId xmlns:p14="http://schemas.microsoft.com/office/powerpoint/2010/main" val="3227182221"/>
+      </p:ext>
+    </p:extLst>
+  </p:cSld>
+  <p:clrMapOvr>
+    <a:masterClrMapping/>
+  </p:clrMapOvr>
+</p:notes>
+</file>
+
+<file path=ppt/notesSlides/notesSlide17.xml><?xml version="1.0" encoding="utf-8"?>
+<p:notes xmlns:a="http://schemas.openxmlformats.org/drawingml/2006/main" xmlns:r="http://schemas.openxmlformats.org/officeDocument/2006/relationships" xmlns:p="http://schemas.openxmlformats.org/presentationml/2006/main">
+  <p:cSld>
+    <p:spTree>
+      <p:nvGrpSpPr>
+        <p:cNvPr id="1" name=""/>
+        <p:cNvGrpSpPr/>
+        <p:nvPr/>
+      </p:nvGrpSpPr>
+      <p:grpSpPr>
+        <a:xfrm>
+          <a:off x="0" y="0"/>
+          <a:ext cx="0" cy="0"/>
+          <a:chOff x="0" y="0"/>
+          <a:chExt cx="0" cy="0"/>
+        </a:xfrm>
+      </p:grpSpPr>
+      <p:sp>
+        <p:nvSpPr>
+          <p:cNvPr id="2" name="Symbol zastępczy obrazu slajdu 1"/>
+          <p:cNvSpPr>
+            <a:spLocks noGrp="1" noRot="1" noChangeAspect="1"/>
+          </p:cNvSpPr>
+          <p:nvPr>
+            <p:ph type="sldImg"/>
+          </p:nvPr>
+        </p:nvSpPr>
+        <p:spPr/>
+      </p:sp>
+      <p:sp>
+        <p:nvSpPr>
+          <p:cNvPr id="3" name="Symbol zastępczy notatek 2"/>
+          <p:cNvSpPr>
+            <a:spLocks noGrp="1"/>
+          </p:cNvSpPr>
+          <p:nvPr>
+            <p:ph type="body" idx="1"/>
+          </p:nvPr>
+        </p:nvSpPr>
+        <p:spPr/>
+        <p:txBody>
+          <a:bodyPr/>
+          <a:lstStyle/>
+          <a:p>
+            <a:r>
+              <a:rPr lang="pl-PL" dirty="0"/>
+              <a:t>Szukanie </a:t>
+            </a:r>
+            <a:r>
+              <a:rPr lang="pl-PL" dirty="0" err="1"/>
+              <a:t>zdjęc</a:t>
+            </a:r>
+            <a:r>
+              <a:rPr lang="pl-PL" dirty="0"/>
+              <a:t> będących anomaliami – jeśli dana grupa zdjęć zostanie zaklasyfikowana jako anomalie – sprawdzimy że model je źle klasyfikuje, czyli np. normalnie ma 95% skuteczności, a wśród tej grupy 50% to znaleźliśmy zdjęcia, które są dla niego ciężkie – im zdjęcie będzie bliżej do klasyfikowanych anomalii tym pewność modelu spada – może lekarz powinien się temu lepiej przyjrzeć bo model informuje że nie jest pewien.</a:t>
+            </a:r>
+          </a:p>
+        </p:txBody>
+      </p:sp>
+      <p:sp>
+        <p:nvSpPr>
+          <p:cNvPr id="4" name="Symbol zastępczy numeru slajdu 3"/>
+          <p:cNvSpPr>
+            <a:spLocks noGrp="1"/>
+          </p:cNvSpPr>
+          <p:nvPr>
+            <p:ph type="sldNum" sz="quarter" idx="5"/>
+          </p:nvPr>
+        </p:nvSpPr>
+        <p:spPr/>
+        <p:txBody>
+          <a:bodyPr/>
+          <a:lstStyle/>
+          <a:p>
+            <a:fld id="{E4F9E38F-2BE4-B147-89C6-F92C04CC79B7}" type="slidenum">
+              <a:rPr lang="pl-PL" smtClean="0"/>
+              <a:t>29</a:t>
             </a:fld>
             <a:endParaRPr lang="pl-PL"/>
           </a:p>
@@ -24348,7 +24436,7 @@
       </p:grpSpPr>
       <p:sp>
         <p:nvSpPr>
-          <p:cNvPr id="2" name="Symbol zastępczy obrazu slajdu 1"/>
+          <p:cNvPr id="2" name="Slide Image Placeholder 1"/>
           <p:cNvSpPr>
             <a:spLocks noGrp="1" noRot="1" noChangeAspect="1"/>
           </p:cNvSpPr>
@@ -24360,7 +24448,7 @@
       </p:sp>
       <p:sp>
         <p:nvSpPr>
-          <p:cNvPr id="3" name="Symbol zastępczy notatek 2"/>
+          <p:cNvPr id="3" name="Notes Placeholder 2"/>
           <p:cNvSpPr>
             <a:spLocks noGrp="1"/>
           </p:cNvSpPr>
@@ -24373,16 +24461,13 @@
           <a:bodyPr/>
           <a:lstStyle/>
           <a:p>
-            <a:r>
-              <a:rPr lang="pl-PL" dirty="0"/>
-              <a:t>Te spróbujemy sprawdzić</a:t>
-            </a:r>
+            <a:endParaRPr lang="pl-PL" dirty="0"/>
           </a:p>
         </p:txBody>
       </p:sp>
       <p:sp>
         <p:nvSpPr>
-          <p:cNvPr id="4" name="Symbol zastępczy numeru slajdu 3"/>
+          <p:cNvPr id="4" name="Slide Number Placeholder 3"/>
           <p:cNvSpPr>
             <a:spLocks noGrp="1"/>
           </p:cNvSpPr>
@@ -24395,7 +24480,7 @@
           <a:bodyPr/>
           <a:lstStyle/>
           <a:p>
-            <a:fld id="{E4F9E38F-2BE4-B147-89C6-F92C04CC79B7}" type="slidenum">
+            <a:fld id="{AAA78D00-F4AE-4F1F-8408-623756211505}" type="slidenum">
               <a:rPr lang="pl-PL" smtClean="0"/>
               <a:t>18</a:t>
             </a:fld>
@@ -24406,7 +24491,7 @@
     </p:spTree>
     <p:extLst>
       <p:ext uri="{BB962C8B-B14F-4D97-AF65-F5344CB8AC3E}">
-        <p14:creationId xmlns:p14="http://schemas.microsoft.com/office/powerpoint/2010/main" val="1703478148"/>
+        <p14:creationId xmlns:p14="http://schemas.microsoft.com/office/powerpoint/2010/main" val="2430918274"/>
       </p:ext>
     </p:extLst>
   </p:cSld>
@@ -29294,8 +29379,8 @@
         </p:nvSpPr>
         <p:spPr>
           <a:xfrm>
-            <a:off x="7903028" y="4808743"/>
-            <a:ext cx="3968621" cy="646331"/>
+            <a:off x="7688424" y="4116246"/>
+            <a:ext cx="3968621" cy="2031325"/>
           </a:xfrm>
           <a:prstGeom prst="rect">
             <a:avLst/>
@@ -29308,6 +29393,10 @@
           </a:bodyPr>
           <a:lstStyle/>
           <a:p>
+            <a:r>
+              <a:rPr lang="pl-PL" dirty="0"/>
+              <a:t>- </a:t>
+            </a:r>
             <a:r>
               <a:rPr lang="en-US" dirty="0"/>
               <a:t>U</a:t>
@@ -29367,6 +29456,36 @@
             <a:r>
               <a:rPr lang="en-US" dirty="0"/>
               <a:t> GANS</a:t>
+            </a:r>
+            <a:endParaRPr lang="pl-PL" dirty="0"/>
+          </a:p>
+          <a:p>
+            <a:r>
+              <a:rPr lang="pl-PL" dirty="0"/>
+              <a:t>- </a:t>
+            </a:r>
+            <a:r>
+              <a:rPr lang="en-US" dirty="0"/>
+              <a:t>f-</a:t>
+            </a:r>
+            <a:r>
+              <a:rPr lang="en-US" dirty="0" err="1"/>
+              <a:t>AnoGAN</a:t>
+            </a:r>
+            <a:r>
+              <a:rPr lang="en-US" dirty="0"/>
+              <a:t>: Fast unsupervised anomaly detection with generative adversarial networks</a:t>
+            </a:r>
+            <a:endParaRPr lang="pl-PL" dirty="0"/>
+          </a:p>
+          <a:p>
+            <a:r>
+              <a:rPr lang="pl-PL" dirty="0"/>
+              <a:t>- </a:t>
+            </a:r>
+            <a:r>
+              <a:rPr lang="en-US" dirty="0"/>
+              <a:t>Unsupervised Adversarial Learning of Anomaly Detection in the Wild</a:t>
             </a:r>
             <a:endParaRPr lang="pl-PL" dirty="0"/>
           </a:p>
@@ -30348,6 +30467,209 @@
 <file path=ppt/slides/slide18.xml><?xml version="1.0" encoding="utf-8"?>
 <p:sld xmlns:a="http://schemas.openxmlformats.org/drawingml/2006/main" xmlns:r="http://schemas.openxmlformats.org/officeDocument/2006/relationships" xmlns:p="http://schemas.openxmlformats.org/presentationml/2006/main">
   <p:cSld>
+    <p:spTree>
+      <p:nvGrpSpPr>
+        <p:cNvPr id="1" name=""/>
+        <p:cNvGrpSpPr/>
+        <p:nvPr/>
+      </p:nvGrpSpPr>
+      <p:grpSpPr>
+        <a:xfrm>
+          <a:off x="0" y="0"/>
+          <a:ext cx="0" cy="0"/>
+          <a:chOff x="0" y="0"/>
+          <a:chExt cx="0" cy="0"/>
+        </a:xfrm>
+      </p:grpSpPr>
+      <p:sp>
+        <p:nvSpPr>
+          <p:cNvPr id="2" name="Title 1">
+            <a:extLst>
+              <a:ext uri="{FF2B5EF4-FFF2-40B4-BE49-F238E27FC236}">
+                <a16:creationId xmlns:a16="http://schemas.microsoft.com/office/drawing/2014/main" id="{12DE2109-5A9D-B852-2F34-6A212AA5612E}"/>
+              </a:ext>
+            </a:extLst>
+          </p:cNvPr>
+          <p:cNvSpPr>
+            <a:spLocks noGrp="1"/>
+          </p:cNvSpPr>
+          <p:nvPr>
+            <p:ph type="title"/>
+          </p:nvPr>
+        </p:nvSpPr>
+        <p:spPr/>
+        <p:txBody>
+          <a:bodyPr/>
+          <a:lstStyle/>
+          <a:p>
+            <a:r>
+              <a:rPr lang="pl-PL" dirty="0" err="1"/>
+              <a:t>Improvement</a:t>
+            </a:r>
+            <a:r>
+              <a:rPr lang="pl-PL" dirty="0"/>
+              <a:t> : f-</a:t>
+            </a:r>
+            <a:r>
+              <a:rPr lang="pl-PL" dirty="0" err="1"/>
+              <a:t>AnoGAN</a:t>
+            </a:r>
+            <a:r>
+              <a:rPr lang="pl-PL" dirty="0"/>
+              <a:t> model</a:t>
+            </a:r>
+          </a:p>
+        </p:txBody>
+      </p:sp>
+      <p:sp>
+        <p:nvSpPr>
+          <p:cNvPr id="5" name="AutoShape 4">
+            <a:extLst>
+              <a:ext uri="{FF2B5EF4-FFF2-40B4-BE49-F238E27FC236}">
+                <a16:creationId xmlns:a16="http://schemas.microsoft.com/office/drawing/2014/main" id="{E372FFD7-DC8A-CECB-AF3F-F0424A7FC634}"/>
+              </a:ext>
+            </a:extLst>
+          </p:cNvPr>
+          <p:cNvSpPr>
+            <a:spLocks noChangeAspect="1" noChangeArrowheads="1"/>
+          </p:cNvSpPr>
+          <p:nvPr/>
+        </p:nvSpPr>
+        <p:spPr bwMode="auto">
+          <a:xfrm>
+            <a:off x="5943600" y="3276600"/>
+            <a:ext cx="304800" cy="304800"/>
+          </a:xfrm>
+          <a:prstGeom prst="rect">
+            <a:avLst/>
+          </a:prstGeom>
+          <a:noFill/>
+          <a:extLst>
+            <a:ext uri="{909E8E84-426E-40DD-AFC4-6F175D3DCCD1}">
+              <a14:hiddenFill xmlns:a14="http://schemas.microsoft.com/office/drawing/2010/main">
+                <a:solidFill>
+                  <a:srgbClr val="FFFFFF"/>
+                </a:solidFill>
+              </a14:hiddenFill>
+            </a:ext>
+          </a:extLst>
+        </p:spPr>
+        <p:txBody>
+          <a:bodyPr vert="horz" wrap="square" lIns="91440" tIns="45720" rIns="91440" bIns="45720" numCol="1" anchor="t" anchorCtr="0" compatLnSpc="1">
+            <a:prstTxWarp prst="textNoShape">
+              <a:avLst/>
+            </a:prstTxWarp>
+          </a:bodyPr>
+          <a:lstStyle/>
+          <a:p>
+            <a:endParaRPr lang="pl-PL"/>
+          </a:p>
+        </p:txBody>
+      </p:sp>
+      <p:sp>
+        <p:nvSpPr>
+          <p:cNvPr id="6" name="TextBox 5">
+            <a:extLst>
+              <a:ext uri="{FF2B5EF4-FFF2-40B4-BE49-F238E27FC236}">
+                <a16:creationId xmlns:a16="http://schemas.microsoft.com/office/drawing/2014/main" id="{BD5764D6-3874-549F-D6AE-04576D314AB2}"/>
+              </a:ext>
+            </a:extLst>
+          </p:cNvPr>
+          <p:cNvSpPr txBox="1"/>
+          <p:nvPr/>
+        </p:nvSpPr>
+        <p:spPr>
+          <a:xfrm>
+            <a:off x="63374" y="6519261"/>
+            <a:ext cx="5302157" cy="276999"/>
+          </a:xfrm>
+          <a:prstGeom prst="rect">
+            <a:avLst/>
+          </a:prstGeom>
+          <a:noFill/>
+        </p:spPr>
+        <p:txBody>
+          <a:bodyPr wrap="none" rtlCol="0">
+            <a:spAutoFit/>
+          </a:bodyPr>
+          <a:lstStyle/>
+          <a:p>
+            <a:r>
+              <a:rPr lang="pl-PL" sz="1200" dirty="0">
+                <a:solidFill>
+                  <a:schemeClr val="bg2">
+                    <a:lumMod val="75000"/>
+                  </a:schemeClr>
+                </a:solidFill>
+              </a:rPr>
+              <a:t>https://github.com/tSchlegl/f-AnoGAN/blob/master/paper/GraphicalAbstract.png</a:t>
+            </a:r>
+          </a:p>
+        </p:txBody>
+      </p:sp>
+      <p:pic>
+        <p:nvPicPr>
+          <p:cNvPr id="1026" name="Picture 2">
+            <a:extLst>
+              <a:ext uri="{FF2B5EF4-FFF2-40B4-BE49-F238E27FC236}">
+                <a16:creationId xmlns:a16="http://schemas.microsoft.com/office/drawing/2014/main" id="{B9558CD7-51AA-2205-6C3A-2635A28C5524}"/>
+              </a:ext>
+            </a:extLst>
+          </p:cNvPr>
+          <p:cNvPicPr>
+            <a:picLocks noChangeAspect="1" noChangeArrowheads="1"/>
+          </p:cNvPicPr>
+          <p:nvPr/>
+        </p:nvPicPr>
+        <p:blipFill>
+          <a:blip r:embed="rId3">
+            <a:extLst>
+              <a:ext uri="{28A0092B-C50C-407E-A947-70E740481C1C}">
+                <a14:useLocalDpi xmlns:a14="http://schemas.microsoft.com/office/drawing/2010/main" val="0"/>
+              </a:ext>
+            </a:extLst>
+          </a:blip>
+          <a:srcRect/>
+          <a:stretch>
+            <a:fillRect/>
+          </a:stretch>
+        </p:blipFill>
+        <p:spPr bwMode="auto">
+          <a:xfrm>
+            <a:off x="1269007" y="1836015"/>
+            <a:ext cx="9653985" cy="3490770"/>
+          </a:xfrm>
+          <a:prstGeom prst="rect">
+            <a:avLst/>
+          </a:prstGeom>
+          <a:noFill/>
+          <a:extLst>
+            <a:ext uri="{909E8E84-426E-40DD-AFC4-6F175D3DCCD1}">
+              <a14:hiddenFill xmlns:a14="http://schemas.microsoft.com/office/drawing/2010/main">
+                <a:solidFill>
+                  <a:srgbClr val="FFFFFF"/>
+                </a:solidFill>
+              </a14:hiddenFill>
+            </a:ext>
+          </a:extLst>
+        </p:spPr>
+      </p:pic>
+    </p:spTree>
+    <p:extLst>
+      <p:ext uri="{BB962C8B-B14F-4D97-AF65-F5344CB8AC3E}">
+        <p14:creationId xmlns:p14="http://schemas.microsoft.com/office/powerpoint/2010/main" val="406068787"/>
+      </p:ext>
+    </p:extLst>
+  </p:cSld>
+  <p:clrMapOvr>
+    <a:masterClrMapping/>
+  </p:clrMapOvr>
+</p:sld>
+</file>
+
+<file path=ppt/slides/slide19.xml><?xml version="1.0" encoding="utf-8"?>
+<p:sld xmlns:a="http://schemas.openxmlformats.org/drawingml/2006/main" xmlns:r="http://schemas.openxmlformats.org/officeDocument/2006/relationships" xmlns:p="http://schemas.openxmlformats.org/presentationml/2006/main">
+  <p:cSld>
     <p:bg>
       <p:bgPr>
         <a:solidFill>
@@ -31004,416 +31326,6 @@
     <p:extLst>
       <p:ext uri="{BB962C8B-B14F-4D97-AF65-F5344CB8AC3E}">
         <p14:creationId xmlns:p14="http://schemas.microsoft.com/office/powerpoint/2010/main" val="2861444169"/>
-      </p:ext>
-    </p:extLst>
-  </p:cSld>
-  <p:clrMapOvr>
-    <a:masterClrMapping/>
-  </p:clrMapOvr>
-</p:sld>
-</file>
-
-<file path=ppt/slides/slide19.xml><?xml version="1.0" encoding="utf-8"?>
-<p:sld xmlns:a="http://schemas.openxmlformats.org/drawingml/2006/main" xmlns:r="http://schemas.openxmlformats.org/officeDocument/2006/relationships" xmlns:p="http://schemas.openxmlformats.org/presentationml/2006/main">
-  <p:cSld>
-    <p:bg>
-      <p:bgPr>
-        <a:solidFill>
-          <a:schemeClr val="bg1"/>
-        </a:solidFill>
-        <a:effectLst/>
-      </p:bgPr>
-    </p:bg>
-    <p:spTree>
-      <p:nvGrpSpPr>
-        <p:cNvPr id="1" name=""/>
-        <p:cNvGrpSpPr/>
-        <p:nvPr/>
-      </p:nvGrpSpPr>
-      <p:grpSpPr>
-        <a:xfrm>
-          <a:off x="0" y="0"/>
-          <a:ext cx="0" cy="0"/>
-          <a:chOff x="0" y="0"/>
-          <a:chExt cx="0" cy="0"/>
-        </a:xfrm>
-      </p:grpSpPr>
-      <p:sp useBgFill="1">
-        <p:nvSpPr>
-          <p:cNvPr id="14" name="Rectangle 8">
-            <a:extLst>
-              <a:ext uri="{FF2B5EF4-FFF2-40B4-BE49-F238E27FC236}">
-                <a16:creationId xmlns:a16="http://schemas.microsoft.com/office/drawing/2014/main" id="{6CCA5F87-1D1E-45CB-8D83-FC7EEFAD9935}"/>
-              </a:ext>
-              <a:ext uri="{C183D7F6-B498-43B3-948B-1728B52AA6E4}">
-                <adec:decorative xmlns:adec="http://schemas.microsoft.com/office/drawing/2017/decorative" val="1"/>
-              </a:ext>
-            </a:extLst>
-          </p:cNvPr>
-          <p:cNvSpPr>
-            <a:spLocks noGrp="1" noRot="1" noChangeAspect="1" noMove="1" noResize="1" noEditPoints="1" noAdjustHandles="1" noChangeArrowheads="1" noChangeShapeType="1" noTextEdit="1"/>
-          </p:cNvSpPr>
-          <p:nvPr>
-            <p:extLst>
-              <p:ext uri="{386F3935-93C4-4BCD-93E2-E3B085C9AB24}">
-                <p16:designElem xmlns:p16="http://schemas.microsoft.com/office/powerpoint/2015/main" val="1"/>
-              </p:ext>
-            </p:extLst>
-          </p:nvPr>
-        </p:nvSpPr>
-        <p:spPr>
-          <a:xfrm>
-            <a:off x="0" y="0"/>
-            <a:ext cx="12192000" cy="6858000"/>
-          </a:xfrm>
-          <a:prstGeom prst="rect">
-            <a:avLst/>
-          </a:prstGeom>
-          <a:ln>
-            <a:noFill/>
-          </a:ln>
-        </p:spPr>
-        <p:style>
-          <a:lnRef idx="2">
-            <a:schemeClr val="accent1">
-              <a:shade val="50000"/>
-            </a:schemeClr>
-          </a:lnRef>
-          <a:fillRef idx="1">
-            <a:schemeClr val="accent1"/>
-          </a:fillRef>
-          <a:effectRef idx="0">
-            <a:schemeClr val="accent1"/>
-          </a:effectRef>
-          <a:fontRef idx="minor">
-            <a:schemeClr val="lt1"/>
-          </a:fontRef>
-        </p:style>
-        <p:txBody>
-          <a:bodyPr rtlCol="0" anchor="ctr"/>
-          <a:lstStyle/>
-          <a:p>
-            <a:pPr algn="ctr"/>
-            <a:endParaRPr lang="en-US"/>
-          </a:p>
-        </p:txBody>
-      </p:sp>
-      <p:pic>
-        <p:nvPicPr>
-          <p:cNvPr id="16" name="Picture 4" descr="Close up of pin and stethoscope, pinned on doctor's appointment">
-            <a:extLst>
-              <a:ext uri="{FF2B5EF4-FFF2-40B4-BE49-F238E27FC236}">
-                <a16:creationId xmlns:a16="http://schemas.microsoft.com/office/drawing/2014/main" id="{7DDAE197-DEFB-4E93-22B6-6FA4545136B5}"/>
-              </a:ext>
-            </a:extLst>
-          </p:cNvPr>
-          <p:cNvPicPr>
-            <a:picLocks noChangeAspect="1"/>
-          </p:cNvPicPr>
-          <p:nvPr/>
-        </p:nvPicPr>
-        <p:blipFill rotWithShape="1">
-          <a:blip r:embed="rId2"/>
-          <a:srcRect l="15628" r="-1" b="-1"/>
-          <a:stretch/>
-        </p:blipFill>
-        <p:spPr>
-          <a:xfrm>
-            <a:off x="20" y="10"/>
-            <a:ext cx="8668492" cy="6857990"/>
-          </a:xfrm>
-          <a:prstGeom prst="rect">
-            <a:avLst/>
-          </a:prstGeom>
-        </p:spPr>
-      </p:pic>
-      <p:sp>
-        <p:nvSpPr>
-          <p:cNvPr id="17" name="Rectangle 10">
-            <a:extLst>
-              <a:ext uri="{FF2B5EF4-FFF2-40B4-BE49-F238E27FC236}">
-                <a16:creationId xmlns:a16="http://schemas.microsoft.com/office/drawing/2014/main" id="{7CCFC2C6-6238-4A2F-93DE-2ADF74AF635E}"/>
-              </a:ext>
-              <a:ext uri="{C183D7F6-B498-43B3-948B-1728B52AA6E4}">
-                <adec:decorative xmlns:adec="http://schemas.microsoft.com/office/drawing/2017/decorative" val="1"/>
-              </a:ext>
-            </a:extLst>
-          </p:cNvPr>
-          <p:cNvSpPr>
-            <a:spLocks noGrp="1" noRot="1" noChangeAspect="1" noMove="1" noResize="1" noEditPoints="1" noAdjustHandles="1" noChangeArrowheads="1" noChangeShapeType="1" noTextEdit="1"/>
-          </p:cNvSpPr>
-          <p:nvPr>
-            <p:extLst>
-              <p:ext uri="{386F3935-93C4-4BCD-93E2-E3B085C9AB24}">
-                <p16:designElem xmlns:p16="http://schemas.microsoft.com/office/powerpoint/2015/main" val="1"/>
-              </p:ext>
-            </p:extLst>
-          </p:nvPr>
-        </p:nvSpPr>
-        <p:spPr>
-          <a:xfrm flipH="1">
-            <a:off x="3711652" y="0"/>
-            <a:ext cx="8480347" cy="6858000"/>
-          </a:xfrm>
-          <a:prstGeom prst="rect">
-            <a:avLst/>
-          </a:prstGeom>
-          <a:gradFill>
-            <a:gsLst>
-              <a:gs pos="48000">
-                <a:schemeClr val="bg1"/>
-              </a:gs>
-              <a:gs pos="35000">
-                <a:schemeClr val="bg1">
-                  <a:alpha val="77000"/>
-                </a:schemeClr>
-              </a:gs>
-              <a:gs pos="19000">
-                <a:schemeClr val="bg1">
-                  <a:alpha val="38000"/>
-                </a:schemeClr>
-              </a:gs>
-              <a:gs pos="0">
-                <a:schemeClr val="bg1">
-                  <a:alpha val="0"/>
-                </a:schemeClr>
-              </a:gs>
-              <a:gs pos="100000">
-                <a:schemeClr val="bg1"/>
-              </a:gs>
-            </a:gsLst>
-            <a:lin ang="10800000" scaled="0"/>
-          </a:gradFill>
-          <a:ln>
-            <a:noFill/>
-          </a:ln>
-        </p:spPr>
-        <p:style>
-          <a:lnRef idx="2">
-            <a:schemeClr val="accent1">
-              <a:shade val="50000"/>
-            </a:schemeClr>
-          </a:lnRef>
-          <a:fillRef idx="1">
-            <a:schemeClr val="accent1"/>
-          </a:fillRef>
-          <a:effectRef idx="0">
-            <a:schemeClr val="accent1"/>
-          </a:effectRef>
-          <a:fontRef idx="minor">
-            <a:schemeClr val="lt1"/>
-          </a:fontRef>
-        </p:style>
-        <p:txBody>
-          <a:bodyPr rtlCol="0" anchor="ctr"/>
-          <a:lstStyle/>
-          <a:p>
-            <a:pPr algn="ctr"/>
-            <a:endParaRPr lang="en-US" dirty="0"/>
-          </a:p>
-        </p:txBody>
-      </p:sp>
-      <p:sp>
-        <p:nvSpPr>
-          <p:cNvPr id="2" name="Tytuł 1">
-            <a:extLst>
-              <a:ext uri="{FF2B5EF4-FFF2-40B4-BE49-F238E27FC236}">
-                <a16:creationId xmlns:a16="http://schemas.microsoft.com/office/drawing/2014/main" id="{13C8574D-3DC2-3FAD-FFE8-47B020D95296}"/>
-              </a:ext>
-            </a:extLst>
-          </p:cNvPr>
-          <p:cNvSpPr>
-            <a:spLocks noGrp="1"/>
-          </p:cNvSpPr>
-          <p:nvPr>
-            <p:ph type="ctrTitle"/>
-          </p:nvPr>
-        </p:nvSpPr>
-        <p:spPr>
-          <a:xfrm>
-            <a:off x="7848600" y="1122363"/>
-            <a:ext cx="4023360" cy="3204134"/>
-          </a:xfrm>
-        </p:spPr>
-        <p:txBody>
-          <a:bodyPr anchor="b">
-            <a:normAutofit/>
-          </a:bodyPr>
-          <a:lstStyle/>
-          <a:p>
-            <a:pPr algn="l"/>
-            <a:r>
-              <a:rPr lang="pl-PL" sz="4800"/>
-              <a:t>3. Plan</a:t>
-            </a:r>
-          </a:p>
-        </p:txBody>
-      </p:sp>
-      <p:sp>
-        <p:nvSpPr>
-          <p:cNvPr id="13" name="Rectangle 12">
-            <a:extLst>
-              <a:ext uri="{FF2B5EF4-FFF2-40B4-BE49-F238E27FC236}">
-                <a16:creationId xmlns:a16="http://schemas.microsoft.com/office/drawing/2014/main" id="{AF2F604E-43BE-4DC3-B983-E071523364F8}"/>
-              </a:ext>
-              <a:ext uri="{C183D7F6-B498-43B3-948B-1728B52AA6E4}">
-                <adec:decorative xmlns:adec="http://schemas.microsoft.com/office/drawing/2017/decorative" val="1"/>
-              </a:ext>
-            </a:extLst>
-          </p:cNvPr>
-          <p:cNvSpPr>
-            <a:spLocks noGrp="1" noRot="1" noChangeAspect="1" noMove="1" noResize="1" noEditPoints="1" noAdjustHandles="1" noChangeArrowheads="1" noChangeShapeType="1" noTextEdit="1"/>
-          </p:cNvSpPr>
-          <p:nvPr>
-            <p:extLst>
-              <p:ext uri="{386F3935-93C4-4BCD-93E2-E3B085C9AB24}">
-                <p16:designElem xmlns:p16="http://schemas.microsoft.com/office/powerpoint/2015/main" val="1"/>
-              </p:ext>
-            </p:extLst>
-          </p:nvPr>
-        </p:nvSpPr>
-        <p:spPr>
-          <a:xfrm rot="5400000">
-            <a:off x="8130540" y="346791"/>
-            <a:ext cx="146304" cy="704088"/>
-          </a:xfrm>
-          <a:prstGeom prst="rect">
-            <a:avLst/>
-          </a:prstGeom>
-          <a:solidFill>
-            <a:schemeClr val="accent2"/>
-          </a:solidFill>
-          <a:ln>
-            <a:noFill/>
-          </a:ln>
-        </p:spPr>
-        <p:style>
-          <a:lnRef idx="2">
-            <a:schemeClr val="accent1">
-              <a:shade val="50000"/>
-            </a:schemeClr>
-          </a:lnRef>
-          <a:fillRef idx="1">
-            <a:schemeClr val="accent1"/>
-          </a:fillRef>
-          <a:effectRef idx="0">
-            <a:schemeClr val="accent1"/>
-          </a:effectRef>
-          <a:fontRef idx="minor">
-            <a:schemeClr val="lt1"/>
-          </a:fontRef>
-        </p:style>
-        <p:txBody>
-          <a:bodyPr rtlCol="0" anchor="ctr"/>
-          <a:lstStyle/>
-          <a:p>
-            <a:pPr algn="ctr"/>
-            <a:endParaRPr lang="en-US">
-              <a:solidFill>
-                <a:prstClr val="white"/>
-              </a:solidFill>
-              <a:latin typeface="Calibri" panose="020F0502020204030204"/>
-            </a:endParaRPr>
-          </a:p>
-        </p:txBody>
-      </p:sp>
-      <p:sp>
-        <p:nvSpPr>
-          <p:cNvPr id="15" name="Rectangle 14">
-            <a:extLst>
-              <a:ext uri="{FF2B5EF4-FFF2-40B4-BE49-F238E27FC236}">
-                <a16:creationId xmlns:a16="http://schemas.microsoft.com/office/drawing/2014/main" id="{08C9B587-E65E-4B52-B37C-ABEBB6E87928}"/>
-              </a:ext>
-              <a:ext uri="{C183D7F6-B498-43B3-948B-1728B52AA6E4}">
-                <adec:decorative xmlns:adec="http://schemas.microsoft.com/office/drawing/2017/decorative" val="1"/>
-              </a:ext>
-            </a:extLst>
-          </p:cNvPr>
-          <p:cNvSpPr>
-            <a:spLocks noGrp="1" noRot="1" noChangeAspect="1" noMove="1" noResize="1" noEditPoints="1" noAdjustHandles="1" noChangeArrowheads="1" noChangeShapeType="1" noTextEdit="1"/>
-          </p:cNvSpPr>
-          <p:nvPr>
-            <p:extLst>
-              <p:ext uri="{386F3935-93C4-4BCD-93E2-E3B085C9AB24}">
-                <p16:designElem xmlns:p16="http://schemas.microsoft.com/office/powerpoint/2015/main" val="1"/>
-              </p:ext>
-            </p:extLst>
-          </p:nvPr>
-        </p:nvSpPr>
-        <p:spPr>
-          <a:xfrm>
-            <a:off x="7851648" y="4546920"/>
-            <a:ext cx="4023360" cy="18288"/>
-          </a:xfrm>
-          <a:prstGeom prst="rect">
-            <a:avLst/>
-          </a:prstGeom>
-          <a:solidFill>
-            <a:srgbClr val="D5D5D5"/>
-          </a:solidFill>
-          <a:ln w="3175">
-            <a:noFill/>
-          </a:ln>
-          <a:effectLst/>
-        </p:spPr>
-        <p:style>
-          <a:lnRef idx="2">
-            <a:schemeClr val="accent1">
-              <a:shade val="50000"/>
-            </a:schemeClr>
-          </a:lnRef>
-          <a:fillRef idx="1">
-            <a:schemeClr val="accent1"/>
-          </a:fillRef>
-          <a:effectRef idx="0">
-            <a:schemeClr val="accent1"/>
-          </a:effectRef>
-          <a:fontRef idx="minor">
-            <a:schemeClr val="lt1"/>
-          </a:fontRef>
-        </p:style>
-        <p:txBody>
-          <a:bodyPr rtlCol="0" anchor="ctr"/>
-          <a:lstStyle/>
-          <a:p>
-            <a:pPr marL="0" marR="0" lvl="0" indent="0" algn="ctr" defTabSz="914400" rtl="0" eaLnBrk="1" fontAlgn="auto" latinLnBrk="0" hangingPunct="1">
-              <a:lnSpc>
-                <a:spcPct val="100000"/>
-              </a:lnSpc>
-              <a:spcBef>
-                <a:spcPts val="0"/>
-              </a:spcBef>
-              <a:spcAft>
-                <a:spcPts val="0"/>
-              </a:spcAft>
-              <a:buClrTx/>
-              <a:buSzTx/>
-              <a:buFontTx/>
-              <a:buNone/>
-              <a:tabLst/>
-              <a:defRPr/>
-            </a:pPr>
-            <a:endParaRPr kumimoji="0" lang="en-US" sz="1800" b="0" i="0" u="none" strike="noStrike" kern="1200" cap="none" spc="0" normalizeH="0" baseline="0" noProof="0">
-              <a:ln>
-                <a:noFill/>
-              </a:ln>
-              <a:solidFill>
-                <a:prstClr val="white"/>
-              </a:solidFill>
-              <a:effectLst/>
-              <a:uLnTx/>
-              <a:uFillTx/>
-              <a:latin typeface="Calibri" panose="020F0502020204030204"/>
-              <a:ea typeface="+mn-ea"/>
-              <a:cs typeface="+mn-cs"/>
-            </a:endParaRPr>
-          </a:p>
-        </p:txBody>
-      </p:sp>
-    </p:spTree>
-    <p:extLst>
-      <p:ext uri="{BB962C8B-B14F-4D97-AF65-F5344CB8AC3E}">
-        <p14:creationId xmlns:p14="http://schemas.microsoft.com/office/powerpoint/2010/main" val="3548902226"/>
       </p:ext>
     </p:extLst>
   </p:cSld>
@@ -32203,6 +32115,416 @@
 <file path=ppt/slides/slide20.xml><?xml version="1.0" encoding="utf-8"?>
 <p:sld xmlns:a="http://schemas.openxmlformats.org/drawingml/2006/main" xmlns:r="http://schemas.openxmlformats.org/officeDocument/2006/relationships" xmlns:p="http://schemas.openxmlformats.org/presentationml/2006/main">
   <p:cSld>
+    <p:bg>
+      <p:bgPr>
+        <a:solidFill>
+          <a:schemeClr val="bg1"/>
+        </a:solidFill>
+        <a:effectLst/>
+      </p:bgPr>
+    </p:bg>
+    <p:spTree>
+      <p:nvGrpSpPr>
+        <p:cNvPr id="1" name=""/>
+        <p:cNvGrpSpPr/>
+        <p:nvPr/>
+      </p:nvGrpSpPr>
+      <p:grpSpPr>
+        <a:xfrm>
+          <a:off x="0" y="0"/>
+          <a:ext cx="0" cy="0"/>
+          <a:chOff x="0" y="0"/>
+          <a:chExt cx="0" cy="0"/>
+        </a:xfrm>
+      </p:grpSpPr>
+      <p:sp useBgFill="1">
+        <p:nvSpPr>
+          <p:cNvPr id="14" name="Rectangle 8">
+            <a:extLst>
+              <a:ext uri="{FF2B5EF4-FFF2-40B4-BE49-F238E27FC236}">
+                <a16:creationId xmlns:a16="http://schemas.microsoft.com/office/drawing/2014/main" id="{6CCA5F87-1D1E-45CB-8D83-FC7EEFAD9935}"/>
+              </a:ext>
+              <a:ext uri="{C183D7F6-B498-43B3-948B-1728B52AA6E4}">
+                <adec:decorative xmlns:adec="http://schemas.microsoft.com/office/drawing/2017/decorative" val="1"/>
+              </a:ext>
+            </a:extLst>
+          </p:cNvPr>
+          <p:cNvSpPr>
+            <a:spLocks noGrp="1" noRot="1" noChangeAspect="1" noMove="1" noResize="1" noEditPoints="1" noAdjustHandles="1" noChangeArrowheads="1" noChangeShapeType="1" noTextEdit="1"/>
+          </p:cNvSpPr>
+          <p:nvPr>
+            <p:extLst>
+              <p:ext uri="{386F3935-93C4-4BCD-93E2-E3B085C9AB24}">
+                <p16:designElem xmlns:p16="http://schemas.microsoft.com/office/powerpoint/2015/main" val="1"/>
+              </p:ext>
+            </p:extLst>
+          </p:nvPr>
+        </p:nvSpPr>
+        <p:spPr>
+          <a:xfrm>
+            <a:off x="0" y="0"/>
+            <a:ext cx="12192000" cy="6858000"/>
+          </a:xfrm>
+          <a:prstGeom prst="rect">
+            <a:avLst/>
+          </a:prstGeom>
+          <a:ln>
+            <a:noFill/>
+          </a:ln>
+        </p:spPr>
+        <p:style>
+          <a:lnRef idx="2">
+            <a:schemeClr val="accent1">
+              <a:shade val="50000"/>
+            </a:schemeClr>
+          </a:lnRef>
+          <a:fillRef idx="1">
+            <a:schemeClr val="accent1"/>
+          </a:fillRef>
+          <a:effectRef idx="0">
+            <a:schemeClr val="accent1"/>
+          </a:effectRef>
+          <a:fontRef idx="minor">
+            <a:schemeClr val="lt1"/>
+          </a:fontRef>
+        </p:style>
+        <p:txBody>
+          <a:bodyPr rtlCol="0" anchor="ctr"/>
+          <a:lstStyle/>
+          <a:p>
+            <a:pPr algn="ctr"/>
+            <a:endParaRPr lang="en-US"/>
+          </a:p>
+        </p:txBody>
+      </p:sp>
+      <p:pic>
+        <p:nvPicPr>
+          <p:cNvPr id="16" name="Picture 4" descr="Close up of pin and stethoscope, pinned on doctor's appointment">
+            <a:extLst>
+              <a:ext uri="{FF2B5EF4-FFF2-40B4-BE49-F238E27FC236}">
+                <a16:creationId xmlns:a16="http://schemas.microsoft.com/office/drawing/2014/main" id="{7DDAE197-DEFB-4E93-22B6-6FA4545136B5}"/>
+              </a:ext>
+            </a:extLst>
+          </p:cNvPr>
+          <p:cNvPicPr>
+            <a:picLocks noChangeAspect="1"/>
+          </p:cNvPicPr>
+          <p:nvPr/>
+        </p:nvPicPr>
+        <p:blipFill rotWithShape="1">
+          <a:blip r:embed="rId2"/>
+          <a:srcRect l="15628" r="-1" b="-1"/>
+          <a:stretch/>
+        </p:blipFill>
+        <p:spPr>
+          <a:xfrm>
+            <a:off x="20" y="10"/>
+            <a:ext cx="8668492" cy="6857990"/>
+          </a:xfrm>
+          <a:prstGeom prst="rect">
+            <a:avLst/>
+          </a:prstGeom>
+        </p:spPr>
+      </p:pic>
+      <p:sp>
+        <p:nvSpPr>
+          <p:cNvPr id="17" name="Rectangle 10">
+            <a:extLst>
+              <a:ext uri="{FF2B5EF4-FFF2-40B4-BE49-F238E27FC236}">
+                <a16:creationId xmlns:a16="http://schemas.microsoft.com/office/drawing/2014/main" id="{7CCFC2C6-6238-4A2F-93DE-2ADF74AF635E}"/>
+              </a:ext>
+              <a:ext uri="{C183D7F6-B498-43B3-948B-1728B52AA6E4}">
+                <adec:decorative xmlns:adec="http://schemas.microsoft.com/office/drawing/2017/decorative" val="1"/>
+              </a:ext>
+            </a:extLst>
+          </p:cNvPr>
+          <p:cNvSpPr>
+            <a:spLocks noGrp="1" noRot="1" noChangeAspect="1" noMove="1" noResize="1" noEditPoints="1" noAdjustHandles="1" noChangeArrowheads="1" noChangeShapeType="1" noTextEdit="1"/>
+          </p:cNvSpPr>
+          <p:nvPr>
+            <p:extLst>
+              <p:ext uri="{386F3935-93C4-4BCD-93E2-E3B085C9AB24}">
+                <p16:designElem xmlns:p16="http://schemas.microsoft.com/office/powerpoint/2015/main" val="1"/>
+              </p:ext>
+            </p:extLst>
+          </p:nvPr>
+        </p:nvSpPr>
+        <p:spPr>
+          <a:xfrm flipH="1">
+            <a:off x="3711652" y="0"/>
+            <a:ext cx="8480347" cy="6858000"/>
+          </a:xfrm>
+          <a:prstGeom prst="rect">
+            <a:avLst/>
+          </a:prstGeom>
+          <a:gradFill>
+            <a:gsLst>
+              <a:gs pos="48000">
+                <a:schemeClr val="bg1"/>
+              </a:gs>
+              <a:gs pos="35000">
+                <a:schemeClr val="bg1">
+                  <a:alpha val="77000"/>
+                </a:schemeClr>
+              </a:gs>
+              <a:gs pos="19000">
+                <a:schemeClr val="bg1">
+                  <a:alpha val="38000"/>
+                </a:schemeClr>
+              </a:gs>
+              <a:gs pos="0">
+                <a:schemeClr val="bg1">
+                  <a:alpha val="0"/>
+                </a:schemeClr>
+              </a:gs>
+              <a:gs pos="100000">
+                <a:schemeClr val="bg1"/>
+              </a:gs>
+            </a:gsLst>
+            <a:lin ang="10800000" scaled="0"/>
+          </a:gradFill>
+          <a:ln>
+            <a:noFill/>
+          </a:ln>
+        </p:spPr>
+        <p:style>
+          <a:lnRef idx="2">
+            <a:schemeClr val="accent1">
+              <a:shade val="50000"/>
+            </a:schemeClr>
+          </a:lnRef>
+          <a:fillRef idx="1">
+            <a:schemeClr val="accent1"/>
+          </a:fillRef>
+          <a:effectRef idx="0">
+            <a:schemeClr val="accent1"/>
+          </a:effectRef>
+          <a:fontRef idx="minor">
+            <a:schemeClr val="lt1"/>
+          </a:fontRef>
+        </p:style>
+        <p:txBody>
+          <a:bodyPr rtlCol="0" anchor="ctr"/>
+          <a:lstStyle/>
+          <a:p>
+            <a:pPr algn="ctr"/>
+            <a:endParaRPr lang="en-US" dirty="0"/>
+          </a:p>
+        </p:txBody>
+      </p:sp>
+      <p:sp>
+        <p:nvSpPr>
+          <p:cNvPr id="2" name="Tytuł 1">
+            <a:extLst>
+              <a:ext uri="{FF2B5EF4-FFF2-40B4-BE49-F238E27FC236}">
+                <a16:creationId xmlns:a16="http://schemas.microsoft.com/office/drawing/2014/main" id="{13C8574D-3DC2-3FAD-FFE8-47B020D95296}"/>
+              </a:ext>
+            </a:extLst>
+          </p:cNvPr>
+          <p:cNvSpPr>
+            <a:spLocks noGrp="1"/>
+          </p:cNvSpPr>
+          <p:nvPr>
+            <p:ph type="ctrTitle"/>
+          </p:nvPr>
+        </p:nvSpPr>
+        <p:spPr>
+          <a:xfrm>
+            <a:off x="7848600" y="1122363"/>
+            <a:ext cx="4023360" cy="3204134"/>
+          </a:xfrm>
+        </p:spPr>
+        <p:txBody>
+          <a:bodyPr anchor="b">
+            <a:normAutofit/>
+          </a:bodyPr>
+          <a:lstStyle/>
+          <a:p>
+            <a:pPr algn="l"/>
+            <a:r>
+              <a:rPr lang="pl-PL" sz="4800"/>
+              <a:t>3. Plan</a:t>
+            </a:r>
+          </a:p>
+        </p:txBody>
+      </p:sp>
+      <p:sp>
+        <p:nvSpPr>
+          <p:cNvPr id="13" name="Rectangle 12">
+            <a:extLst>
+              <a:ext uri="{FF2B5EF4-FFF2-40B4-BE49-F238E27FC236}">
+                <a16:creationId xmlns:a16="http://schemas.microsoft.com/office/drawing/2014/main" id="{AF2F604E-43BE-4DC3-B983-E071523364F8}"/>
+              </a:ext>
+              <a:ext uri="{C183D7F6-B498-43B3-948B-1728B52AA6E4}">
+                <adec:decorative xmlns:adec="http://schemas.microsoft.com/office/drawing/2017/decorative" val="1"/>
+              </a:ext>
+            </a:extLst>
+          </p:cNvPr>
+          <p:cNvSpPr>
+            <a:spLocks noGrp="1" noRot="1" noChangeAspect="1" noMove="1" noResize="1" noEditPoints="1" noAdjustHandles="1" noChangeArrowheads="1" noChangeShapeType="1" noTextEdit="1"/>
+          </p:cNvSpPr>
+          <p:nvPr>
+            <p:extLst>
+              <p:ext uri="{386F3935-93C4-4BCD-93E2-E3B085C9AB24}">
+                <p16:designElem xmlns:p16="http://schemas.microsoft.com/office/powerpoint/2015/main" val="1"/>
+              </p:ext>
+            </p:extLst>
+          </p:nvPr>
+        </p:nvSpPr>
+        <p:spPr>
+          <a:xfrm rot="5400000">
+            <a:off x="8130540" y="346791"/>
+            <a:ext cx="146304" cy="704088"/>
+          </a:xfrm>
+          <a:prstGeom prst="rect">
+            <a:avLst/>
+          </a:prstGeom>
+          <a:solidFill>
+            <a:schemeClr val="accent2"/>
+          </a:solidFill>
+          <a:ln>
+            <a:noFill/>
+          </a:ln>
+        </p:spPr>
+        <p:style>
+          <a:lnRef idx="2">
+            <a:schemeClr val="accent1">
+              <a:shade val="50000"/>
+            </a:schemeClr>
+          </a:lnRef>
+          <a:fillRef idx="1">
+            <a:schemeClr val="accent1"/>
+          </a:fillRef>
+          <a:effectRef idx="0">
+            <a:schemeClr val="accent1"/>
+          </a:effectRef>
+          <a:fontRef idx="minor">
+            <a:schemeClr val="lt1"/>
+          </a:fontRef>
+        </p:style>
+        <p:txBody>
+          <a:bodyPr rtlCol="0" anchor="ctr"/>
+          <a:lstStyle/>
+          <a:p>
+            <a:pPr algn="ctr"/>
+            <a:endParaRPr lang="en-US">
+              <a:solidFill>
+                <a:prstClr val="white"/>
+              </a:solidFill>
+              <a:latin typeface="Calibri" panose="020F0502020204030204"/>
+            </a:endParaRPr>
+          </a:p>
+        </p:txBody>
+      </p:sp>
+      <p:sp>
+        <p:nvSpPr>
+          <p:cNvPr id="15" name="Rectangle 14">
+            <a:extLst>
+              <a:ext uri="{FF2B5EF4-FFF2-40B4-BE49-F238E27FC236}">
+                <a16:creationId xmlns:a16="http://schemas.microsoft.com/office/drawing/2014/main" id="{08C9B587-E65E-4B52-B37C-ABEBB6E87928}"/>
+              </a:ext>
+              <a:ext uri="{C183D7F6-B498-43B3-948B-1728B52AA6E4}">
+                <adec:decorative xmlns:adec="http://schemas.microsoft.com/office/drawing/2017/decorative" val="1"/>
+              </a:ext>
+            </a:extLst>
+          </p:cNvPr>
+          <p:cNvSpPr>
+            <a:spLocks noGrp="1" noRot="1" noChangeAspect="1" noMove="1" noResize="1" noEditPoints="1" noAdjustHandles="1" noChangeArrowheads="1" noChangeShapeType="1" noTextEdit="1"/>
+          </p:cNvSpPr>
+          <p:nvPr>
+            <p:extLst>
+              <p:ext uri="{386F3935-93C4-4BCD-93E2-E3B085C9AB24}">
+                <p16:designElem xmlns:p16="http://schemas.microsoft.com/office/powerpoint/2015/main" val="1"/>
+              </p:ext>
+            </p:extLst>
+          </p:nvPr>
+        </p:nvSpPr>
+        <p:spPr>
+          <a:xfrm>
+            <a:off x="7851648" y="4546920"/>
+            <a:ext cx="4023360" cy="18288"/>
+          </a:xfrm>
+          <a:prstGeom prst="rect">
+            <a:avLst/>
+          </a:prstGeom>
+          <a:solidFill>
+            <a:srgbClr val="D5D5D5"/>
+          </a:solidFill>
+          <a:ln w="3175">
+            <a:noFill/>
+          </a:ln>
+          <a:effectLst/>
+        </p:spPr>
+        <p:style>
+          <a:lnRef idx="2">
+            <a:schemeClr val="accent1">
+              <a:shade val="50000"/>
+            </a:schemeClr>
+          </a:lnRef>
+          <a:fillRef idx="1">
+            <a:schemeClr val="accent1"/>
+          </a:fillRef>
+          <a:effectRef idx="0">
+            <a:schemeClr val="accent1"/>
+          </a:effectRef>
+          <a:fontRef idx="minor">
+            <a:schemeClr val="lt1"/>
+          </a:fontRef>
+        </p:style>
+        <p:txBody>
+          <a:bodyPr rtlCol="0" anchor="ctr"/>
+          <a:lstStyle/>
+          <a:p>
+            <a:pPr marL="0" marR="0" lvl="0" indent="0" algn="ctr" defTabSz="914400" rtl="0" eaLnBrk="1" fontAlgn="auto" latinLnBrk="0" hangingPunct="1">
+              <a:lnSpc>
+                <a:spcPct val="100000"/>
+              </a:lnSpc>
+              <a:spcBef>
+                <a:spcPts val="0"/>
+              </a:spcBef>
+              <a:spcAft>
+                <a:spcPts val="0"/>
+              </a:spcAft>
+              <a:buClrTx/>
+              <a:buSzTx/>
+              <a:buFontTx/>
+              <a:buNone/>
+              <a:tabLst/>
+              <a:defRPr/>
+            </a:pPr>
+            <a:endParaRPr kumimoji="0" lang="en-US" sz="1800" b="0" i="0" u="none" strike="noStrike" kern="1200" cap="none" spc="0" normalizeH="0" baseline="0" noProof="0">
+              <a:ln>
+                <a:noFill/>
+              </a:ln>
+              <a:solidFill>
+                <a:prstClr val="white"/>
+              </a:solidFill>
+              <a:effectLst/>
+              <a:uLnTx/>
+              <a:uFillTx/>
+              <a:latin typeface="Calibri" panose="020F0502020204030204"/>
+              <a:ea typeface="+mn-ea"/>
+              <a:cs typeface="+mn-cs"/>
+            </a:endParaRPr>
+          </a:p>
+        </p:txBody>
+      </p:sp>
+    </p:spTree>
+    <p:extLst>
+      <p:ext uri="{BB962C8B-B14F-4D97-AF65-F5344CB8AC3E}">
+        <p14:creationId xmlns:p14="http://schemas.microsoft.com/office/powerpoint/2010/main" val="3548902226"/>
+      </p:ext>
+    </p:extLst>
+  </p:cSld>
+  <p:clrMapOvr>
+    <a:masterClrMapping/>
+  </p:clrMapOvr>
+</p:sld>
+</file>
+
+<file path=ppt/slides/slide21.xml><?xml version="1.0" encoding="utf-8"?>
+<p:sld xmlns:a="http://schemas.openxmlformats.org/drawingml/2006/main" xmlns:r="http://schemas.openxmlformats.org/officeDocument/2006/relationships" xmlns:p="http://schemas.openxmlformats.org/presentationml/2006/main">
+  <p:cSld>
     <p:spTree>
       <p:nvGrpSpPr>
         <p:cNvPr id="1" name=""/>
@@ -32372,7 +32694,7 @@
 </p:sld>
 </file>
 
-<file path=ppt/slides/slide21.xml><?xml version="1.0" encoding="utf-8"?>
+<file path=ppt/slides/slide22.xml><?xml version="1.0" encoding="utf-8"?>
 <p:sld xmlns:a="http://schemas.openxmlformats.org/drawingml/2006/main" xmlns:r="http://schemas.openxmlformats.org/officeDocument/2006/relationships" xmlns:p="http://schemas.openxmlformats.org/presentationml/2006/main">
   <p:cSld>
     <p:spTree>
@@ -32935,7 +33257,7 @@
 </p:sld>
 </file>
 
-<file path=ppt/slides/slide22.xml><?xml version="1.0" encoding="utf-8"?>
+<file path=ppt/slides/slide23.xml><?xml version="1.0" encoding="utf-8"?>
 <p:sld xmlns:a="http://schemas.openxmlformats.org/drawingml/2006/main" xmlns:r="http://schemas.openxmlformats.org/officeDocument/2006/relationships" xmlns:p="http://schemas.openxmlformats.org/presentationml/2006/main">
   <p:cSld>
     <p:spTree>
@@ -33615,7 +33937,7 @@
 </p:sld>
 </file>
 
-<file path=ppt/slides/slide23.xml><?xml version="1.0" encoding="utf-8"?>
+<file path=ppt/slides/slide24.xml><?xml version="1.0" encoding="utf-8"?>
 <p:sld xmlns:a="http://schemas.openxmlformats.org/drawingml/2006/main" xmlns:r="http://schemas.openxmlformats.org/officeDocument/2006/relationships" xmlns:p="http://schemas.openxmlformats.org/presentationml/2006/main">
   <p:cSld>
     <p:bg>
@@ -34194,7 +34516,7 @@
 </p:sld>
 </file>
 
-<file path=ppt/slides/slide24.xml><?xml version="1.0" encoding="utf-8"?>
+<file path=ppt/slides/slide25.xml><?xml version="1.0" encoding="utf-8"?>
 <p:sld xmlns:a="http://schemas.openxmlformats.org/drawingml/2006/main" xmlns:r="http://schemas.openxmlformats.org/officeDocument/2006/relationships" xmlns:p="http://schemas.openxmlformats.org/presentationml/2006/main">
   <p:cSld>
     <p:bg>
@@ -34768,7 +35090,7 @@
 </p:sld>
 </file>
 
-<file path=ppt/slides/slide25.xml><?xml version="1.0" encoding="utf-8"?>
+<file path=ppt/slides/slide26.xml><?xml version="1.0" encoding="utf-8"?>
 <p:sld xmlns:a="http://schemas.openxmlformats.org/drawingml/2006/main" xmlns:r="http://schemas.openxmlformats.org/officeDocument/2006/relationships" xmlns:p="http://schemas.openxmlformats.org/presentationml/2006/main">
   <p:cSld>
     <p:bg>
@@ -35347,7 +35669,7 @@
 </p:sld>
 </file>
 
-<file path=ppt/slides/slide26.xml><?xml version="1.0" encoding="utf-8"?>
+<file path=ppt/slides/slide27.xml><?xml version="1.0" encoding="utf-8"?>
 <p:sld xmlns:a="http://schemas.openxmlformats.org/drawingml/2006/main" xmlns:r="http://schemas.openxmlformats.org/officeDocument/2006/relationships" xmlns:p="http://schemas.openxmlformats.org/presentationml/2006/main">
   <p:cSld>
     <p:bg>
@@ -35921,7 +36243,7 @@
 </p:sld>
 </file>
 
-<file path=ppt/slides/slide27.xml><?xml version="1.0" encoding="utf-8"?>
+<file path=ppt/slides/slide28.xml><?xml version="1.0" encoding="utf-8"?>
 <p:sld xmlns:a="http://schemas.openxmlformats.org/drawingml/2006/main" xmlns:r="http://schemas.openxmlformats.org/officeDocument/2006/relationships" xmlns:p="http://schemas.openxmlformats.org/presentationml/2006/main">
   <p:cSld>
     <p:bg>
@@ -36500,7 +36822,7 @@
 </p:sld>
 </file>
 
-<file path=ppt/slides/slide28.xml><?xml version="1.0" encoding="utf-8"?>
+<file path=ppt/slides/slide29.xml><?xml version="1.0" encoding="utf-8"?>
 <p:sld xmlns:a="http://schemas.openxmlformats.org/drawingml/2006/main" xmlns:r="http://schemas.openxmlformats.org/officeDocument/2006/relationships" xmlns:p="http://schemas.openxmlformats.org/presentationml/2006/main">
   <p:cSld>
     <p:bg>
@@ -37065,338 +37387,6 @@
     <p:extLst>
       <p:ext uri="{BB962C8B-B14F-4D97-AF65-F5344CB8AC3E}">
         <p14:creationId xmlns:p14="http://schemas.microsoft.com/office/powerpoint/2010/main" val="1904681419"/>
-      </p:ext>
-    </p:extLst>
-  </p:cSld>
-  <p:clrMapOvr>
-    <a:masterClrMapping/>
-  </p:clrMapOvr>
-</p:sld>
-</file>
-
-<file path=ppt/slides/slide29.xml><?xml version="1.0" encoding="utf-8"?>
-<p:sld xmlns:a="http://schemas.openxmlformats.org/drawingml/2006/main" xmlns:r="http://schemas.openxmlformats.org/officeDocument/2006/relationships" xmlns:p="http://schemas.openxmlformats.org/presentationml/2006/main">
-  <p:cSld>
-    <p:bg>
-      <p:bgPr>
-        <a:solidFill>
-          <a:schemeClr val="bg1"/>
-        </a:solidFill>
-        <a:effectLst/>
-      </p:bgPr>
-    </p:bg>
-    <p:spTree>
-      <p:nvGrpSpPr>
-        <p:cNvPr id="1" name=""/>
-        <p:cNvGrpSpPr/>
-        <p:nvPr/>
-      </p:nvGrpSpPr>
-      <p:grpSpPr>
-        <a:xfrm>
-          <a:off x="0" y="0"/>
-          <a:ext cx="0" cy="0"/>
-          <a:chOff x="0" y="0"/>
-          <a:chExt cx="0" cy="0"/>
-        </a:xfrm>
-      </p:grpSpPr>
-      <p:sp useBgFill="1">
-        <p:nvSpPr>
-          <p:cNvPr id="8" name="Rectangle 7">
-            <a:extLst>
-              <a:ext uri="{FF2B5EF4-FFF2-40B4-BE49-F238E27FC236}">
-                <a16:creationId xmlns:a16="http://schemas.microsoft.com/office/drawing/2014/main" id="{907EF6B7-1338-4443-8C46-6A318D952DFD}"/>
-              </a:ext>
-              <a:ext uri="{C183D7F6-B498-43B3-948B-1728B52AA6E4}">
-                <adec:decorative xmlns:adec="http://schemas.microsoft.com/office/drawing/2017/decorative" val="1"/>
-              </a:ext>
-            </a:extLst>
-          </p:cNvPr>
-          <p:cNvSpPr>
-            <a:spLocks noGrp="1" noRot="1" noChangeAspect="1" noMove="1" noResize="1" noEditPoints="1" noAdjustHandles="1" noChangeArrowheads="1" noChangeShapeType="1" noTextEdit="1"/>
-          </p:cNvSpPr>
-          <p:nvPr>
-            <p:extLst>
-              <p:ext uri="{386F3935-93C4-4BCD-93E2-E3B085C9AB24}">
-                <p16:designElem xmlns:p16="http://schemas.microsoft.com/office/powerpoint/2015/main" val="1"/>
-              </p:ext>
-            </p:extLst>
-          </p:nvPr>
-        </p:nvSpPr>
-        <p:spPr>
-          <a:xfrm>
-            <a:off x="3048" y="0"/>
-            <a:ext cx="12188952" cy="6858000"/>
-          </a:xfrm>
-          <a:prstGeom prst="rect">
-            <a:avLst/>
-          </a:prstGeom>
-          <a:ln>
-            <a:noFill/>
-          </a:ln>
-        </p:spPr>
-        <p:style>
-          <a:lnRef idx="2">
-            <a:schemeClr val="accent1">
-              <a:shade val="50000"/>
-            </a:schemeClr>
-          </a:lnRef>
-          <a:fillRef idx="1">
-            <a:schemeClr val="accent1"/>
-          </a:fillRef>
-          <a:effectRef idx="0">
-            <a:schemeClr val="accent1"/>
-          </a:effectRef>
-          <a:fontRef idx="minor">
-            <a:schemeClr val="lt1"/>
-          </a:fontRef>
-        </p:style>
-        <p:txBody>
-          <a:bodyPr rtlCol="0" anchor="ctr"/>
-          <a:lstStyle/>
-          <a:p>
-            <a:pPr algn="ctr"/>
-            <a:endParaRPr lang="en-US"/>
-          </a:p>
-        </p:txBody>
-      </p:sp>
-      <p:sp>
-        <p:nvSpPr>
-          <p:cNvPr id="10" name="Freeform: Shape 9">
-            <a:extLst>
-              <a:ext uri="{FF2B5EF4-FFF2-40B4-BE49-F238E27FC236}">
-                <a16:creationId xmlns:a16="http://schemas.microsoft.com/office/drawing/2014/main" id="{DAAE4CDD-124C-4DCF-9584-B6033B545DD5}"/>
-              </a:ext>
-              <a:ext uri="{C183D7F6-B498-43B3-948B-1728B52AA6E4}">
-                <adec:decorative xmlns:adec="http://schemas.microsoft.com/office/drawing/2017/decorative" val="1"/>
-              </a:ext>
-            </a:extLst>
-          </p:cNvPr>
-          <p:cNvSpPr>
-            <a:spLocks noGrp="1" noRot="1" noChangeAspect="1" noMove="1" noResize="1" noEditPoints="1" noAdjustHandles="1" noChangeArrowheads="1" noChangeShapeType="1" noTextEdit="1"/>
-          </p:cNvSpPr>
-          <p:nvPr>
-            <p:extLst>
-              <p:ext uri="{386F3935-93C4-4BCD-93E2-E3B085C9AB24}">
-                <p16:designElem xmlns:p16="http://schemas.microsoft.com/office/powerpoint/2015/main" val="1"/>
-              </p:ext>
-            </p:extLst>
-          </p:nvPr>
-        </p:nvSpPr>
-        <p:spPr>
-          <a:xfrm>
-            <a:off x="1" y="0"/>
-            <a:ext cx="4167271" cy="6858000"/>
-          </a:xfrm>
-          <a:custGeom>
-            <a:avLst/>
-            <a:gdLst>
-              <a:gd name="connsiteX0" fmla="*/ 0 w 4167271"/>
-              <a:gd name="connsiteY0" fmla="*/ 0 h 6858000"/>
-              <a:gd name="connsiteX1" fmla="*/ 2259550 w 4167271"/>
-              <a:gd name="connsiteY1" fmla="*/ 0 h 6858000"/>
-              <a:gd name="connsiteX2" fmla="*/ 2387803 w 4167271"/>
-              <a:gd name="connsiteY2" fmla="*/ 82222 h 6858000"/>
-              <a:gd name="connsiteX3" fmla="*/ 4167271 w 4167271"/>
-              <a:gd name="connsiteY3" fmla="*/ 3429000 h 6858000"/>
-              <a:gd name="connsiteX4" fmla="*/ 2387803 w 4167271"/>
-              <a:gd name="connsiteY4" fmla="*/ 6775779 h 6858000"/>
-              <a:gd name="connsiteX5" fmla="*/ 2259550 w 4167271"/>
-              <a:gd name="connsiteY5" fmla="*/ 6858000 h 6858000"/>
-              <a:gd name="connsiteX6" fmla="*/ 0 w 4167271"/>
-              <a:gd name="connsiteY6" fmla="*/ 6858000 h 6858000"/>
-            </a:gdLst>
-            <a:ahLst/>
-            <a:cxnLst>
-              <a:cxn ang="0">
-                <a:pos x="connsiteX0" y="connsiteY0"/>
-              </a:cxn>
-              <a:cxn ang="0">
-                <a:pos x="connsiteX1" y="connsiteY1"/>
-              </a:cxn>
-              <a:cxn ang="0">
-                <a:pos x="connsiteX2" y="connsiteY2"/>
-              </a:cxn>
-              <a:cxn ang="0">
-                <a:pos x="connsiteX3" y="connsiteY3"/>
-              </a:cxn>
-              <a:cxn ang="0">
-                <a:pos x="connsiteX4" y="connsiteY4"/>
-              </a:cxn>
-              <a:cxn ang="0">
-                <a:pos x="connsiteX5" y="connsiteY5"/>
-              </a:cxn>
-              <a:cxn ang="0">
-                <a:pos x="connsiteX6" y="connsiteY6"/>
-              </a:cxn>
-            </a:cxnLst>
-            <a:rect l="l" t="t" r="r" b="b"/>
-            <a:pathLst>
-              <a:path w="4167271" h="6858000">
-                <a:moveTo>
-                  <a:pt x="0" y="0"/>
-                </a:moveTo>
-                <a:lnTo>
-                  <a:pt x="2259550" y="0"/>
-                </a:lnTo>
-                <a:lnTo>
-                  <a:pt x="2387803" y="82222"/>
-                </a:lnTo>
-                <a:cubicBezTo>
-                  <a:pt x="3461407" y="807534"/>
-                  <a:pt x="4167271" y="2035835"/>
-                  <a:pt x="4167271" y="3429000"/>
-                </a:cubicBezTo>
-                <a:cubicBezTo>
-                  <a:pt x="4167271" y="4822165"/>
-                  <a:pt x="3461407" y="6050467"/>
-                  <a:pt x="2387803" y="6775779"/>
-                </a:cubicBezTo>
-                <a:lnTo>
-                  <a:pt x="2259550" y="6858000"/>
-                </a:lnTo>
-                <a:lnTo>
-                  <a:pt x="0" y="6858000"/>
-                </a:lnTo>
-                <a:close/>
-              </a:path>
-            </a:pathLst>
-          </a:custGeom>
-          <a:solidFill>
-            <a:schemeClr val="accent2"/>
-          </a:solidFill>
-          <a:ln>
-            <a:noFill/>
-          </a:ln>
-        </p:spPr>
-        <p:style>
-          <a:lnRef idx="2">
-            <a:schemeClr val="accent1">
-              <a:shade val="50000"/>
-            </a:schemeClr>
-          </a:lnRef>
-          <a:fillRef idx="1">
-            <a:schemeClr val="accent1"/>
-          </a:fillRef>
-          <a:effectRef idx="0">
-            <a:schemeClr val="accent1"/>
-          </a:effectRef>
-          <a:fontRef idx="minor">
-            <a:schemeClr val="lt1"/>
-          </a:fontRef>
-        </p:style>
-        <p:txBody>
-          <a:bodyPr rtlCol="0" anchor="ctr"/>
-          <a:lstStyle/>
-          <a:p>
-            <a:pPr algn="ctr"/>
-            <a:endParaRPr lang="en-US"/>
-          </a:p>
-        </p:txBody>
-      </p:sp>
-      <p:sp>
-        <p:nvSpPr>
-          <p:cNvPr id="2" name="Tytuł 1">
-            <a:extLst>
-              <a:ext uri="{FF2B5EF4-FFF2-40B4-BE49-F238E27FC236}">
-                <a16:creationId xmlns:a16="http://schemas.microsoft.com/office/drawing/2014/main" id="{F2EBEB1C-23BA-ABBA-5455-6B90FD710202}"/>
-              </a:ext>
-            </a:extLst>
-          </p:cNvPr>
-          <p:cNvSpPr>
-            <a:spLocks noGrp="1"/>
-          </p:cNvSpPr>
-          <p:nvPr>
-            <p:ph type="title"/>
-          </p:nvPr>
-        </p:nvSpPr>
-        <p:spPr>
-          <a:xfrm>
-            <a:off x="686834" y="1153572"/>
-            <a:ext cx="3200400" cy="4461163"/>
-          </a:xfrm>
-        </p:spPr>
-        <p:txBody>
-          <a:bodyPr>
-            <a:normAutofit/>
-          </a:bodyPr>
-          <a:lstStyle/>
-          <a:p>
-            <a:r>
-              <a:rPr lang="pl-PL" dirty="0">
-                <a:solidFill>
-                  <a:srgbClr val="FFFFFF"/>
-                </a:solidFill>
-              </a:rPr>
-              <a:t>END</a:t>
-            </a:r>
-          </a:p>
-        </p:txBody>
-      </p:sp>
-      <p:sp>
-        <p:nvSpPr>
-          <p:cNvPr id="12" name="Arc 11">
-            <a:extLst>
-              <a:ext uri="{FF2B5EF4-FFF2-40B4-BE49-F238E27FC236}">
-                <a16:creationId xmlns:a16="http://schemas.microsoft.com/office/drawing/2014/main" id="{081E4A58-353D-44AE-B2FC-2A74E2E400F7}"/>
-              </a:ext>
-              <a:ext uri="{C183D7F6-B498-43B3-948B-1728B52AA6E4}">
-                <adec:decorative xmlns:adec="http://schemas.microsoft.com/office/drawing/2017/decorative" val="1"/>
-              </a:ext>
-            </a:extLst>
-          </p:cNvPr>
-          <p:cNvSpPr>
-            <a:spLocks noGrp="1" noRot="1" noChangeAspect="1" noMove="1" noResize="1" noEditPoints="1" noAdjustHandles="1" noChangeArrowheads="1" noChangeShapeType="1" noTextEdit="1"/>
-          </p:cNvSpPr>
-          <p:nvPr>
-            <p:extLst>
-              <p:ext uri="{386F3935-93C4-4BCD-93E2-E3B085C9AB24}">
-                <p16:designElem xmlns:p16="http://schemas.microsoft.com/office/powerpoint/2015/main" val="1"/>
-              </p:ext>
-            </p:extLst>
-          </p:nvPr>
-        </p:nvSpPr>
-        <p:spPr>
-          <a:xfrm flipV="1">
-            <a:off x="7550402" y="2455479"/>
-            <a:ext cx="4083433" cy="4083433"/>
-          </a:xfrm>
-          <a:prstGeom prst="arc">
-            <a:avLst/>
-          </a:prstGeom>
-          <a:ln w="127000" cap="rnd">
-            <a:solidFill>
-              <a:schemeClr val="accent4"/>
-            </a:solidFill>
-            <a:prstDash val="dash"/>
-          </a:ln>
-        </p:spPr>
-        <p:style>
-          <a:lnRef idx="1">
-            <a:schemeClr val="accent1"/>
-          </a:lnRef>
-          <a:fillRef idx="0">
-            <a:schemeClr val="accent1"/>
-          </a:fillRef>
-          <a:effectRef idx="0">
-            <a:schemeClr val="accent1"/>
-          </a:effectRef>
-          <a:fontRef idx="minor">
-            <a:schemeClr val="tx1"/>
-          </a:fontRef>
-        </p:style>
-        <p:txBody>
-          <a:bodyPr rtlCol="0" anchor="ctr"/>
-          <a:lstStyle/>
-          <a:p>
-            <a:pPr algn="ctr"/>
-            <a:endParaRPr lang="en-US" dirty="0"/>
-          </a:p>
-        </p:txBody>
-      </p:sp>
-    </p:spTree>
-    <p:extLst>
-      <p:ext uri="{BB962C8B-B14F-4D97-AF65-F5344CB8AC3E}">
-        <p14:creationId xmlns:p14="http://schemas.microsoft.com/office/powerpoint/2010/main" val="4198862816"/>
       </p:ext>
     </p:extLst>
   </p:cSld>
@@ -38138,6 +38128,338 @@
     <p:extLst>
       <p:ext uri="{BB962C8B-B14F-4D97-AF65-F5344CB8AC3E}">
         <p14:creationId xmlns:p14="http://schemas.microsoft.com/office/powerpoint/2010/main" val="2790625299"/>
+      </p:ext>
+    </p:extLst>
+  </p:cSld>
+  <p:clrMapOvr>
+    <a:masterClrMapping/>
+  </p:clrMapOvr>
+</p:sld>
+</file>
+
+<file path=ppt/slides/slide30.xml><?xml version="1.0" encoding="utf-8"?>
+<p:sld xmlns:a="http://schemas.openxmlformats.org/drawingml/2006/main" xmlns:r="http://schemas.openxmlformats.org/officeDocument/2006/relationships" xmlns:p="http://schemas.openxmlformats.org/presentationml/2006/main">
+  <p:cSld>
+    <p:bg>
+      <p:bgPr>
+        <a:solidFill>
+          <a:schemeClr val="bg1"/>
+        </a:solidFill>
+        <a:effectLst/>
+      </p:bgPr>
+    </p:bg>
+    <p:spTree>
+      <p:nvGrpSpPr>
+        <p:cNvPr id="1" name=""/>
+        <p:cNvGrpSpPr/>
+        <p:nvPr/>
+      </p:nvGrpSpPr>
+      <p:grpSpPr>
+        <a:xfrm>
+          <a:off x="0" y="0"/>
+          <a:ext cx="0" cy="0"/>
+          <a:chOff x="0" y="0"/>
+          <a:chExt cx="0" cy="0"/>
+        </a:xfrm>
+      </p:grpSpPr>
+      <p:sp useBgFill="1">
+        <p:nvSpPr>
+          <p:cNvPr id="8" name="Rectangle 7">
+            <a:extLst>
+              <a:ext uri="{FF2B5EF4-FFF2-40B4-BE49-F238E27FC236}">
+                <a16:creationId xmlns:a16="http://schemas.microsoft.com/office/drawing/2014/main" id="{907EF6B7-1338-4443-8C46-6A318D952DFD}"/>
+              </a:ext>
+              <a:ext uri="{C183D7F6-B498-43B3-948B-1728B52AA6E4}">
+                <adec:decorative xmlns:adec="http://schemas.microsoft.com/office/drawing/2017/decorative" val="1"/>
+              </a:ext>
+            </a:extLst>
+          </p:cNvPr>
+          <p:cNvSpPr>
+            <a:spLocks noGrp="1" noRot="1" noChangeAspect="1" noMove="1" noResize="1" noEditPoints="1" noAdjustHandles="1" noChangeArrowheads="1" noChangeShapeType="1" noTextEdit="1"/>
+          </p:cNvSpPr>
+          <p:nvPr>
+            <p:extLst>
+              <p:ext uri="{386F3935-93C4-4BCD-93E2-E3B085C9AB24}">
+                <p16:designElem xmlns:p16="http://schemas.microsoft.com/office/powerpoint/2015/main" val="1"/>
+              </p:ext>
+            </p:extLst>
+          </p:nvPr>
+        </p:nvSpPr>
+        <p:spPr>
+          <a:xfrm>
+            <a:off x="3048" y="0"/>
+            <a:ext cx="12188952" cy="6858000"/>
+          </a:xfrm>
+          <a:prstGeom prst="rect">
+            <a:avLst/>
+          </a:prstGeom>
+          <a:ln>
+            <a:noFill/>
+          </a:ln>
+        </p:spPr>
+        <p:style>
+          <a:lnRef idx="2">
+            <a:schemeClr val="accent1">
+              <a:shade val="50000"/>
+            </a:schemeClr>
+          </a:lnRef>
+          <a:fillRef idx="1">
+            <a:schemeClr val="accent1"/>
+          </a:fillRef>
+          <a:effectRef idx="0">
+            <a:schemeClr val="accent1"/>
+          </a:effectRef>
+          <a:fontRef idx="minor">
+            <a:schemeClr val="lt1"/>
+          </a:fontRef>
+        </p:style>
+        <p:txBody>
+          <a:bodyPr rtlCol="0" anchor="ctr"/>
+          <a:lstStyle/>
+          <a:p>
+            <a:pPr algn="ctr"/>
+            <a:endParaRPr lang="en-US"/>
+          </a:p>
+        </p:txBody>
+      </p:sp>
+      <p:sp>
+        <p:nvSpPr>
+          <p:cNvPr id="10" name="Freeform: Shape 9">
+            <a:extLst>
+              <a:ext uri="{FF2B5EF4-FFF2-40B4-BE49-F238E27FC236}">
+                <a16:creationId xmlns:a16="http://schemas.microsoft.com/office/drawing/2014/main" id="{DAAE4CDD-124C-4DCF-9584-B6033B545DD5}"/>
+              </a:ext>
+              <a:ext uri="{C183D7F6-B498-43B3-948B-1728B52AA6E4}">
+                <adec:decorative xmlns:adec="http://schemas.microsoft.com/office/drawing/2017/decorative" val="1"/>
+              </a:ext>
+            </a:extLst>
+          </p:cNvPr>
+          <p:cNvSpPr>
+            <a:spLocks noGrp="1" noRot="1" noChangeAspect="1" noMove="1" noResize="1" noEditPoints="1" noAdjustHandles="1" noChangeArrowheads="1" noChangeShapeType="1" noTextEdit="1"/>
+          </p:cNvSpPr>
+          <p:nvPr>
+            <p:extLst>
+              <p:ext uri="{386F3935-93C4-4BCD-93E2-E3B085C9AB24}">
+                <p16:designElem xmlns:p16="http://schemas.microsoft.com/office/powerpoint/2015/main" val="1"/>
+              </p:ext>
+            </p:extLst>
+          </p:nvPr>
+        </p:nvSpPr>
+        <p:spPr>
+          <a:xfrm>
+            <a:off x="1" y="0"/>
+            <a:ext cx="4167271" cy="6858000"/>
+          </a:xfrm>
+          <a:custGeom>
+            <a:avLst/>
+            <a:gdLst>
+              <a:gd name="connsiteX0" fmla="*/ 0 w 4167271"/>
+              <a:gd name="connsiteY0" fmla="*/ 0 h 6858000"/>
+              <a:gd name="connsiteX1" fmla="*/ 2259550 w 4167271"/>
+              <a:gd name="connsiteY1" fmla="*/ 0 h 6858000"/>
+              <a:gd name="connsiteX2" fmla="*/ 2387803 w 4167271"/>
+              <a:gd name="connsiteY2" fmla="*/ 82222 h 6858000"/>
+              <a:gd name="connsiteX3" fmla="*/ 4167271 w 4167271"/>
+              <a:gd name="connsiteY3" fmla="*/ 3429000 h 6858000"/>
+              <a:gd name="connsiteX4" fmla="*/ 2387803 w 4167271"/>
+              <a:gd name="connsiteY4" fmla="*/ 6775779 h 6858000"/>
+              <a:gd name="connsiteX5" fmla="*/ 2259550 w 4167271"/>
+              <a:gd name="connsiteY5" fmla="*/ 6858000 h 6858000"/>
+              <a:gd name="connsiteX6" fmla="*/ 0 w 4167271"/>
+              <a:gd name="connsiteY6" fmla="*/ 6858000 h 6858000"/>
+            </a:gdLst>
+            <a:ahLst/>
+            <a:cxnLst>
+              <a:cxn ang="0">
+                <a:pos x="connsiteX0" y="connsiteY0"/>
+              </a:cxn>
+              <a:cxn ang="0">
+                <a:pos x="connsiteX1" y="connsiteY1"/>
+              </a:cxn>
+              <a:cxn ang="0">
+                <a:pos x="connsiteX2" y="connsiteY2"/>
+              </a:cxn>
+              <a:cxn ang="0">
+                <a:pos x="connsiteX3" y="connsiteY3"/>
+              </a:cxn>
+              <a:cxn ang="0">
+                <a:pos x="connsiteX4" y="connsiteY4"/>
+              </a:cxn>
+              <a:cxn ang="0">
+                <a:pos x="connsiteX5" y="connsiteY5"/>
+              </a:cxn>
+              <a:cxn ang="0">
+                <a:pos x="connsiteX6" y="connsiteY6"/>
+              </a:cxn>
+            </a:cxnLst>
+            <a:rect l="l" t="t" r="r" b="b"/>
+            <a:pathLst>
+              <a:path w="4167271" h="6858000">
+                <a:moveTo>
+                  <a:pt x="0" y="0"/>
+                </a:moveTo>
+                <a:lnTo>
+                  <a:pt x="2259550" y="0"/>
+                </a:lnTo>
+                <a:lnTo>
+                  <a:pt x="2387803" y="82222"/>
+                </a:lnTo>
+                <a:cubicBezTo>
+                  <a:pt x="3461407" y="807534"/>
+                  <a:pt x="4167271" y="2035835"/>
+                  <a:pt x="4167271" y="3429000"/>
+                </a:cubicBezTo>
+                <a:cubicBezTo>
+                  <a:pt x="4167271" y="4822165"/>
+                  <a:pt x="3461407" y="6050467"/>
+                  <a:pt x="2387803" y="6775779"/>
+                </a:cubicBezTo>
+                <a:lnTo>
+                  <a:pt x="2259550" y="6858000"/>
+                </a:lnTo>
+                <a:lnTo>
+                  <a:pt x="0" y="6858000"/>
+                </a:lnTo>
+                <a:close/>
+              </a:path>
+            </a:pathLst>
+          </a:custGeom>
+          <a:solidFill>
+            <a:schemeClr val="accent2"/>
+          </a:solidFill>
+          <a:ln>
+            <a:noFill/>
+          </a:ln>
+        </p:spPr>
+        <p:style>
+          <a:lnRef idx="2">
+            <a:schemeClr val="accent1">
+              <a:shade val="50000"/>
+            </a:schemeClr>
+          </a:lnRef>
+          <a:fillRef idx="1">
+            <a:schemeClr val="accent1"/>
+          </a:fillRef>
+          <a:effectRef idx="0">
+            <a:schemeClr val="accent1"/>
+          </a:effectRef>
+          <a:fontRef idx="minor">
+            <a:schemeClr val="lt1"/>
+          </a:fontRef>
+        </p:style>
+        <p:txBody>
+          <a:bodyPr rtlCol="0" anchor="ctr"/>
+          <a:lstStyle/>
+          <a:p>
+            <a:pPr algn="ctr"/>
+            <a:endParaRPr lang="en-US"/>
+          </a:p>
+        </p:txBody>
+      </p:sp>
+      <p:sp>
+        <p:nvSpPr>
+          <p:cNvPr id="2" name="Tytuł 1">
+            <a:extLst>
+              <a:ext uri="{FF2B5EF4-FFF2-40B4-BE49-F238E27FC236}">
+                <a16:creationId xmlns:a16="http://schemas.microsoft.com/office/drawing/2014/main" id="{F2EBEB1C-23BA-ABBA-5455-6B90FD710202}"/>
+              </a:ext>
+            </a:extLst>
+          </p:cNvPr>
+          <p:cNvSpPr>
+            <a:spLocks noGrp="1"/>
+          </p:cNvSpPr>
+          <p:nvPr>
+            <p:ph type="title"/>
+          </p:nvPr>
+        </p:nvSpPr>
+        <p:spPr>
+          <a:xfrm>
+            <a:off x="686834" y="1153572"/>
+            <a:ext cx="3200400" cy="4461163"/>
+          </a:xfrm>
+        </p:spPr>
+        <p:txBody>
+          <a:bodyPr>
+            <a:normAutofit/>
+          </a:bodyPr>
+          <a:lstStyle/>
+          <a:p>
+            <a:r>
+              <a:rPr lang="pl-PL" dirty="0">
+                <a:solidFill>
+                  <a:srgbClr val="FFFFFF"/>
+                </a:solidFill>
+              </a:rPr>
+              <a:t>END</a:t>
+            </a:r>
+          </a:p>
+        </p:txBody>
+      </p:sp>
+      <p:sp>
+        <p:nvSpPr>
+          <p:cNvPr id="12" name="Arc 11">
+            <a:extLst>
+              <a:ext uri="{FF2B5EF4-FFF2-40B4-BE49-F238E27FC236}">
+                <a16:creationId xmlns:a16="http://schemas.microsoft.com/office/drawing/2014/main" id="{081E4A58-353D-44AE-B2FC-2A74E2E400F7}"/>
+              </a:ext>
+              <a:ext uri="{C183D7F6-B498-43B3-948B-1728B52AA6E4}">
+                <adec:decorative xmlns:adec="http://schemas.microsoft.com/office/drawing/2017/decorative" val="1"/>
+              </a:ext>
+            </a:extLst>
+          </p:cNvPr>
+          <p:cNvSpPr>
+            <a:spLocks noGrp="1" noRot="1" noChangeAspect="1" noMove="1" noResize="1" noEditPoints="1" noAdjustHandles="1" noChangeArrowheads="1" noChangeShapeType="1" noTextEdit="1"/>
+          </p:cNvSpPr>
+          <p:nvPr>
+            <p:extLst>
+              <p:ext uri="{386F3935-93C4-4BCD-93E2-E3B085C9AB24}">
+                <p16:designElem xmlns:p16="http://schemas.microsoft.com/office/powerpoint/2015/main" val="1"/>
+              </p:ext>
+            </p:extLst>
+          </p:nvPr>
+        </p:nvSpPr>
+        <p:spPr>
+          <a:xfrm flipV="1">
+            <a:off x="7550402" y="2455479"/>
+            <a:ext cx="4083433" cy="4083433"/>
+          </a:xfrm>
+          <a:prstGeom prst="arc">
+            <a:avLst/>
+          </a:prstGeom>
+          <a:ln w="127000" cap="rnd">
+            <a:solidFill>
+              <a:schemeClr val="accent4"/>
+            </a:solidFill>
+            <a:prstDash val="dash"/>
+          </a:ln>
+        </p:spPr>
+        <p:style>
+          <a:lnRef idx="1">
+            <a:schemeClr val="accent1"/>
+          </a:lnRef>
+          <a:fillRef idx="0">
+            <a:schemeClr val="accent1"/>
+          </a:fillRef>
+          <a:effectRef idx="0">
+            <a:schemeClr val="accent1"/>
+          </a:effectRef>
+          <a:fontRef idx="minor">
+            <a:schemeClr val="tx1"/>
+          </a:fontRef>
+        </p:style>
+        <p:txBody>
+          <a:bodyPr rtlCol="0" anchor="ctr"/>
+          <a:lstStyle/>
+          <a:p>
+            <a:pPr algn="ctr"/>
+            <a:endParaRPr lang="en-US" dirty="0"/>
+          </a:p>
+        </p:txBody>
+      </p:sp>
+    </p:spTree>
+    <p:extLst>
+      <p:ext uri="{BB962C8B-B14F-4D97-AF65-F5344CB8AC3E}">
+        <p14:creationId xmlns:p14="http://schemas.microsoft.com/office/powerpoint/2010/main" val="4198862816"/>
       </p:ext>
     </p:extLst>
   </p:cSld>
